--- a/docs/files/slides.pptx
+++ b/docs/files/slides.pptx
@@ -6,6 +6,7 @@
   </p:sldMasterIdLst>
   <p:sldIdLst>
     <p:sldId id="256" r:id="rId2"/>
+    <p:sldId id="257" r:id="rId3"/>
   </p:sldIdLst>
   <p:sldSz cx="12192000" cy="6858000"/>
   <p:notesSz cx="6858000" cy="9144000"/>
@@ -104,6 +105,11 @@
       </a:defRPr>
     </a:lvl9pPr>
   </p:defaultTextStyle>
+  <p:extLst>
+    <p:ext uri="{EFAFB233-063F-42B5-8137-9DF3F51BA10A}">
+      <p15:sldGuideLst xmlns:p15="http://schemas.microsoft.com/office/powerpoint/2012/main"/>
+    </p:ext>
+  </p:extLst>
 </p:presentation>
 </file>
 
@@ -254,7 +260,7 @@
           <a:p>
             <a:fld id="{63270ED0-6F3F-4C4A-831B-D4C81EE65EA0}" type="datetimeFigureOut">
               <a:rPr lang="de-DE" smtClean="0"/>
-              <a:t>13.11.20</a:t>
+              <a:t>26.11.20</a:t>
             </a:fld>
             <a:endParaRPr lang="de-DE"/>
           </a:p>
@@ -452,7 +458,7 @@
           <a:p>
             <a:fld id="{63270ED0-6F3F-4C4A-831B-D4C81EE65EA0}" type="datetimeFigureOut">
               <a:rPr lang="de-DE" smtClean="0"/>
-              <a:t>13.11.20</a:t>
+              <a:t>26.11.20</a:t>
             </a:fld>
             <a:endParaRPr lang="de-DE"/>
           </a:p>
@@ -660,7 +666,7 @@
           <a:p>
             <a:fld id="{63270ED0-6F3F-4C4A-831B-D4C81EE65EA0}" type="datetimeFigureOut">
               <a:rPr lang="de-DE" smtClean="0"/>
-              <a:t>13.11.20</a:t>
+              <a:t>26.11.20</a:t>
             </a:fld>
             <a:endParaRPr lang="de-DE"/>
           </a:p>
@@ -858,7 +864,7 @@
           <a:p>
             <a:fld id="{63270ED0-6F3F-4C4A-831B-D4C81EE65EA0}" type="datetimeFigureOut">
               <a:rPr lang="de-DE" smtClean="0"/>
-              <a:t>13.11.20</a:t>
+              <a:t>26.11.20</a:t>
             </a:fld>
             <a:endParaRPr lang="de-DE"/>
           </a:p>
@@ -1133,7 +1139,7 @@
           <a:p>
             <a:fld id="{63270ED0-6F3F-4C4A-831B-D4C81EE65EA0}" type="datetimeFigureOut">
               <a:rPr lang="de-DE" smtClean="0"/>
-              <a:t>13.11.20</a:t>
+              <a:t>26.11.20</a:t>
             </a:fld>
             <a:endParaRPr lang="de-DE"/>
           </a:p>
@@ -1398,7 +1404,7 @@
           <a:p>
             <a:fld id="{63270ED0-6F3F-4C4A-831B-D4C81EE65EA0}" type="datetimeFigureOut">
               <a:rPr lang="de-DE" smtClean="0"/>
-              <a:t>13.11.20</a:t>
+              <a:t>26.11.20</a:t>
             </a:fld>
             <a:endParaRPr lang="de-DE"/>
           </a:p>
@@ -1810,7 +1816,7 @@
           <a:p>
             <a:fld id="{63270ED0-6F3F-4C4A-831B-D4C81EE65EA0}" type="datetimeFigureOut">
               <a:rPr lang="de-DE" smtClean="0"/>
-              <a:t>13.11.20</a:t>
+              <a:t>26.11.20</a:t>
             </a:fld>
             <a:endParaRPr lang="de-DE"/>
           </a:p>
@@ -1951,7 +1957,7 @@
           <a:p>
             <a:fld id="{63270ED0-6F3F-4C4A-831B-D4C81EE65EA0}" type="datetimeFigureOut">
               <a:rPr lang="de-DE" smtClean="0"/>
-              <a:t>13.11.20</a:t>
+              <a:t>26.11.20</a:t>
             </a:fld>
             <a:endParaRPr lang="de-DE"/>
           </a:p>
@@ -2064,7 +2070,7 @@
           <a:p>
             <a:fld id="{63270ED0-6F3F-4C4A-831B-D4C81EE65EA0}" type="datetimeFigureOut">
               <a:rPr lang="de-DE" smtClean="0"/>
-              <a:t>13.11.20</a:t>
+              <a:t>26.11.20</a:t>
             </a:fld>
             <a:endParaRPr lang="de-DE"/>
           </a:p>
@@ -2375,7 +2381,7 @@
           <a:p>
             <a:fld id="{63270ED0-6F3F-4C4A-831B-D4C81EE65EA0}" type="datetimeFigureOut">
               <a:rPr lang="de-DE" smtClean="0"/>
-              <a:t>13.11.20</a:t>
+              <a:t>26.11.20</a:t>
             </a:fld>
             <a:endParaRPr lang="de-DE"/>
           </a:p>
@@ -2663,7 +2669,7 @@
           <a:p>
             <a:fld id="{63270ED0-6F3F-4C4A-831B-D4C81EE65EA0}" type="datetimeFigureOut">
               <a:rPr lang="de-DE" smtClean="0"/>
-              <a:t>13.11.20</a:t>
+              <a:t>26.11.20</a:t>
             </a:fld>
             <a:endParaRPr lang="de-DE"/>
           </a:p>
@@ -2904,7 +2910,7 @@
           <a:p>
             <a:fld id="{63270ED0-6F3F-4C4A-831B-D4C81EE65EA0}" type="datetimeFigureOut">
               <a:rPr lang="de-DE" smtClean="0"/>
-              <a:t>13.11.20</a:t>
+              <a:t>26.11.20</a:t>
             </a:fld>
             <a:endParaRPr lang="de-DE"/>
           </a:p>
@@ -3926,6 +3932,979 @@
 </p:sld>
 </file>
 
+<file path=ppt/slides/slide2.xml><?xml version="1.0" encoding="utf-8"?>
+<p:sld xmlns:a="http://schemas.openxmlformats.org/drawingml/2006/main" xmlns:r="http://schemas.openxmlformats.org/officeDocument/2006/relationships" xmlns:p="http://schemas.openxmlformats.org/presentationml/2006/main">
+  <p:cSld>
+    <p:spTree>
+      <p:nvGrpSpPr>
+        <p:cNvPr id="1" name=""/>
+        <p:cNvGrpSpPr/>
+        <p:nvPr/>
+      </p:nvGrpSpPr>
+      <p:grpSpPr>
+        <a:xfrm>
+          <a:off x="0" y="0"/>
+          <a:ext cx="0" cy="0"/>
+          <a:chOff x="0" y="0"/>
+          <a:chExt cx="0" cy="0"/>
+        </a:xfrm>
+      </p:grpSpPr>
+      <mc:AlternateContent xmlns:mc="http://schemas.openxmlformats.org/markup-compatibility/2006">
+        <mc:Choice xmlns:a14="http://schemas.microsoft.com/office/drawing/2010/main" Requires="a14">
+          <p:sp>
+            <p:nvSpPr>
+              <p:cNvPr id="2" name="Textfeld 1">
+                <a:extLst>
+                  <a:ext uri="{FF2B5EF4-FFF2-40B4-BE49-F238E27FC236}">
+                    <a16:creationId xmlns:a16="http://schemas.microsoft.com/office/drawing/2014/main" id="{F14DE17F-25F2-E840-BC10-84F93094511E}"/>
+                  </a:ext>
+                </a:extLst>
+              </p:cNvPr>
+              <p:cNvSpPr txBox="1"/>
+              <p:nvPr/>
+            </p:nvSpPr>
+            <p:spPr>
+              <a:xfrm>
+                <a:off x="99250" y="1216977"/>
+                <a:ext cx="11957632" cy="1282723"/>
+              </a:xfrm>
+              <a:prstGeom prst="rect">
+                <a:avLst/>
+              </a:prstGeom>
+              <a:noFill/>
+              <a:ln>
+                <a:noFill/>
+              </a:ln>
+            </p:spPr>
+            <p:txBody>
+              <a:bodyPr wrap="none" lIns="0" tIns="0" rIns="0" bIns="0" rtlCol="0">
+                <a:spAutoFit/>
+              </a:bodyPr>
+              <a:lstStyle/>
+              <a:p>
+                <a14:m>
+                  <m:oMathPara xmlns:m="http://schemas.openxmlformats.org/officeDocument/2006/math">
+                    <m:oMathParaPr>
+                      <m:jc m:val="centerGroup"/>
+                    </m:oMathParaPr>
+                    <m:oMath xmlns:m="http://schemas.openxmlformats.org/officeDocument/2006/math">
+                      <m:sSub>
+                        <m:sSubPr>
+                          <m:ctrlPr>
+                            <a:rPr lang="de-DE" sz="7200" b="0" i="1" smtClean="0">
+                              <a:latin typeface="Cambria Math" panose="02040503050406030204" pitchFamily="18" charset="0"/>
+                            </a:rPr>
+                          </m:ctrlPr>
+                        </m:sSubPr>
+                        <m:e>
+                          <m:r>
+                            <a:rPr lang="de-DE" sz="7200" b="0" i="1" smtClean="0">
+                              <a:latin typeface="Cambria Math" panose="02040503050406030204" pitchFamily="18" charset="0"/>
+                            </a:rPr>
+                            <m:t>𝑦</m:t>
+                          </m:r>
+                        </m:e>
+                        <m:sub>
+                          <m:r>
+                            <a:rPr lang="de-DE" sz="7200" b="0" i="1" smtClean="0">
+                              <a:solidFill>
+                                <a:srgbClr val="00B050"/>
+                              </a:solidFill>
+                              <a:latin typeface="Cambria Math" panose="02040503050406030204" pitchFamily="18" charset="0"/>
+                            </a:rPr>
+                            <m:t>𝑖</m:t>
+                          </m:r>
+                          <m:r>
+                            <a:rPr lang="de-DE" sz="7200" b="0" i="1" smtClean="0">
+                              <a:solidFill>
+                                <a:srgbClr val="7030A0"/>
+                              </a:solidFill>
+                              <a:latin typeface="Cambria Math" panose="02040503050406030204" pitchFamily="18" charset="0"/>
+                            </a:rPr>
+                            <m:t>𝑗</m:t>
+                          </m:r>
+                        </m:sub>
+                      </m:sSub>
+                      <m:r>
+                        <a:rPr lang="de-DE" sz="7200" b="0" i="1" smtClean="0">
+                          <a:latin typeface="Cambria Math" panose="02040503050406030204" pitchFamily="18" charset="0"/>
+                        </a:rPr>
+                        <m:t>=</m:t>
+                      </m:r>
+                      <m:sSub>
+                        <m:sSubPr>
+                          <m:ctrlPr>
+                            <a:rPr lang="de-DE" sz="7200" b="0" i="1" smtClean="0">
+                              <a:solidFill>
+                                <a:srgbClr val="C00000"/>
+                              </a:solidFill>
+                              <a:latin typeface="Cambria Math" panose="02040503050406030204" pitchFamily="18" charset="0"/>
+                            </a:rPr>
+                          </m:ctrlPr>
+                        </m:sSubPr>
+                        <m:e>
+                          <m:acc>
+                            <m:accPr>
+                              <m:chr m:val="̂"/>
+                              <m:ctrlPr>
+                                <a:rPr lang="de-DE" sz="7200" b="0" i="1" smtClean="0">
+                                  <a:solidFill>
+                                    <a:srgbClr val="C00000"/>
+                                  </a:solidFill>
+                                  <a:latin typeface="Cambria Math" panose="02040503050406030204" pitchFamily="18" charset="0"/>
+                                </a:rPr>
+                              </m:ctrlPr>
+                            </m:accPr>
+                            <m:e>
+                              <m:r>
+                                <a:rPr lang="de-DE" sz="7200" b="0" i="1" smtClean="0">
+                                  <a:solidFill>
+                                    <a:srgbClr val="C00000"/>
+                                  </a:solidFill>
+                                  <a:latin typeface="Cambria Math" panose="02040503050406030204" pitchFamily="18" charset="0"/>
+                                </a:rPr>
+                                <m:t>𝛽</m:t>
+                              </m:r>
+                            </m:e>
+                          </m:acc>
+                        </m:e>
+                        <m:sub>
+                          <m:r>
+                            <a:rPr lang="de-DE" sz="7200" b="0" i="1" smtClean="0">
+                              <a:solidFill>
+                                <a:srgbClr val="C00000"/>
+                              </a:solidFill>
+                              <a:latin typeface="Cambria Math" panose="02040503050406030204" pitchFamily="18" charset="0"/>
+                            </a:rPr>
+                            <m:t>0</m:t>
+                          </m:r>
+                        </m:sub>
+                      </m:sSub>
+                      <m:r>
+                        <a:rPr lang="de-DE" sz="7200" b="0" i="1" smtClean="0">
+                          <a:solidFill>
+                            <a:srgbClr val="C00000"/>
+                          </a:solidFill>
+                          <a:latin typeface="Cambria Math" panose="02040503050406030204" pitchFamily="18" charset="0"/>
+                        </a:rPr>
+                        <m:t>+</m:t>
+                      </m:r>
+                      <m:sSub>
+                        <m:sSubPr>
+                          <m:ctrlPr>
+                            <a:rPr lang="de-DE" sz="7200" b="0" i="1" smtClean="0">
+                              <a:solidFill>
+                                <a:srgbClr val="C00000"/>
+                              </a:solidFill>
+                              <a:latin typeface="Cambria Math" panose="02040503050406030204" pitchFamily="18" charset="0"/>
+                            </a:rPr>
+                          </m:ctrlPr>
+                        </m:sSubPr>
+                        <m:e>
+                          <m:acc>
+                            <m:accPr>
+                              <m:chr m:val="̂"/>
+                              <m:ctrlPr>
+                                <a:rPr lang="de-DE" sz="7200" b="0" i="1" smtClean="0">
+                                  <a:solidFill>
+                                    <a:srgbClr val="C00000"/>
+                                  </a:solidFill>
+                                  <a:latin typeface="Cambria Math" panose="02040503050406030204" pitchFamily="18" charset="0"/>
+                                </a:rPr>
+                              </m:ctrlPr>
+                            </m:accPr>
+                            <m:e>
+                              <m:r>
+                                <a:rPr lang="de-DE" sz="7200" b="0" i="1" smtClean="0">
+                                  <a:solidFill>
+                                    <a:srgbClr val="C00000"/>
+                                  </a:solidFill>
+                                  <a:latin typeface="Cambria Math" panose="02040503050406030204" pitchFamily="18" charset="0"/>
+                                </a:rPr>
+                                <m:t>𝛽</m:t>
+                              </m:r>
+                            </m:e>
+                          </m:acc>
+                        </m:e>
+                        <m:sub>
+                          <m:r>
+                            <a:rPr lang="de-DE" sz="7200" b="0" i="1" smtClean="0">
+                              <a:solidFill>
+                                <a:srgbClr val="C00000"/>
+                              </a:solidFill>
+                              <a:latin typeface="Cambria Math" panose="02040503050406030204" pitchFamily="18" charset="0"/>
+                            </a:rPr>
+                            <m:t>1</m:t>
+                          </m:r>
+                        </m:sub>
+                      </m:sSub>
+                      <m:r>
+                        <a:rPr lang="de-DE" sz="7200" b="0" i="1" smtClean="0">
+                          <a:solidFill>
+                            <a:srgbClr val="C00000"/>
+                          </a:solidFill>
+                          <a:latin typeface="Cambria Math" panose="02040503050406030204" pitchFamily="18" charset="0"/>
+                        </a:rPr>
+                        <m:t> </m:t>
+                      </m:r>
+                      <m:r>
+                        <a:rPr lang="de-DE" sz="7200" b="0" i="1" smtClean="0">
+                          <a:solidFill>
+                            <a:srgbClr val="C00000"/>
+                          </a:solidFill>
+                          <a:latin typeface="Cambria Math" panose="02040503050406030204" pitchFamily="18" charset="0"/>
+                          <a:ea typeface="Cambria Math" panose="02040503050406030204" pitchFamily="18" charset="0"/>
+                        </a:rPr>
+                        <m:t>∙</m:t>
+                      </m:r>
+                      <m:sSub>
+                        <m:sSubPr>
+                          <m:ctrlPr>
+                            <a:rPr lang="de-DE" sz="7200" b="0" i="1" smtClean="0">
+                              <a:solidFill>
+                                <a:srgbClr val="C00000"/>
+                              </a:solidFill>
+                              <a:latin typeface="Cambria Math" panose="02040503050406030204" pitchFamily="18" charset="0"/>
+                              <a:ea typeface="Cambria Math" panose="02040503050406030204" pitchFamily="18" charset="0"/>
+                            </a:rPr>
+                          </m:ctrlPr>
+                        </m:sSubPr>
+                        <m:e>
+                          <m:r>
+                            <a:rPr lang="de-DE" sz="7200" b="0" i="1" smtClean="0">
+                              <a:solidFill>
+                                <a:srgbClr val="C00000"/>
+                              </a:solidFill>
+                              <a:latin typeface="Cambria Math" panose="02040503050406030204" pitchFamily="18" charset="0"/>
+                              <a:ea typeface="Cambria Math" panose="02040503050406030204" pitchFamily="18" charset="0"/>
+                            </a:rPr>
+                            <m:t>𝑥</m:t>
+                          </m:r>
+                        </m:e>
+                        <m:sub>
+                          <m:r>
+                            <a:rPr lang="de-DE" sz="7200" b="0" i="1" smtClean="0">
+                              <a:solidFill>
+                                <a:srgbClr val="C00000"/>
+                              </a:solidFill>
+                              <a:latin typeface="Cambria Math" panose="02040503050406030204" pitchFamily="18" charset="0"/>
+                              <a:ea typeface="Cambria Math" panose="02040503050406030204" pitchFamily="18" charset="0"/>
+                            </a:rPr>
+                            <m:t>𝑖𝑗</m:t>
+                          </m:r>
+                        </m:sub>
+                      </m:sSub>
+                      <m:r>
+                        <a:rPr lang="de-DE" sz="7200" b="0" i="1" smtClean="0">
+                          <a:solidFill>
+                            <a:srgbClr val="0070C0"/>
+                          </a:solidFill>
+                          <a:latin typeface="Cambria Math" panose="02040503050406030204" pitchFamily="18" charset="0"/>
+                          <a:ea typeface="Cambria Math" panose="02040503050406030204" pitchFamily="18" charset="0"/>
+                        </a:rPr>
+                        <m:t>+</m:t>
+                      </m:r>
+                      <m:sSub>
+                        <m:sSubPr>
+                          <m:ctrlPr>
+                            <a:rPr lang="de-DE" sz="7200" b="0" i="1" smtClean="0">
+                              <a:solidFill>
+                                <a:srgbClr val="0070C0"/>
+                              </a:solidFill>
+                              <a:latin typeface="Cambria Math" panose="02040503050406030204" pitchFamily="18" charset="0"/>
+                              <a:ea typeface="Cambria Math" panose="02040503050406030204" pitchFamily="18" charset="0"/>
+                            </a:rPr>
+                          </m:ctrlPr>
+                        </m:sSubPr>
+                        <m:e>
+                          <m:acc>
+                            <m:accPr>
+                              <m:chr m:val="̂"/>
+                              <m:ctrlPr>
+                                <a:rPr lang="de-DE" sz="7200" b="0" i="1" smtClean="0">
+                                  <a:solidFill>
+                                    <a:srgbClr val="0070C0"/>
+                                  </a:solidFill>
+                                  <a:latin typeface="Cambria Math" panose="02040503050406030204" pitchFamily="18" charset="0"/>
+                                  <a:ea typeface="Cambria Math" panose="02040503050406030204" pitchFamily="18" charset="0"/>
+                                </a:rPr>
+                              </m:ctrlPr>
+                            </m:accPr>
+                            <m:e>
+                              <m:r>
+                                <a:rPr lang="de-DE" sz="7200" b="0" i="1" smtClean="0">
+                                  <a:solidFill>
+                                    <a:srgbClr val="0070C0"/>
+                                  </a:solidFill>
+                                  <a:latin typeface="Cambria Math" panose="02040503050406030204" pitchFamily="18" charset="0"/>
+                                  <a:ea typeface="Cambria Math" panose="02040503050406030204" pitchFamily="18" charset="0"/>
+                                </a:rPr>
+                                <m:t>𝑢</m:t>
+                              </m:r>
+                            </m:e>
+                          </m:acc>
+                        </m:e>
+                        <m:sub>
+                          <m:r>
+                            <a:rPr lang="de-DE" sz="7200" b="0" i="1" smtClean="0">
+                              <a:solidFill>
+                                <a:srgbClr val="0070C0"/>
+                              </a:solidFill>
+                              <a:latin typeface="Cambria Math" panose="02040503050406030204" pitchFamily="18" charset="0"/>
+                            </a:rPr>
+                            <m:t>0</m:t>
+                          </m:r>
+                          <m:r>
+                            <a:rPr lang="de-DE" sz="7200" b="0" i="1" smtClean="0">
+                              <a:solidFill>
+                                <a:srgbClr val="0070C0"/>
+                              </a:solidFill>
+                              <a:latin typeface="Cambria Math" panose="02040503050406030204" pitchFamily="18" charset="0"/>
+                            </a:rPr>
+                            <m:t>𝑗</m:t>
+                          </m:r>
+                        </m:sub>
+                      </m:sSub>
+                      <m:r>
+                        <a:rPr lang="de-DE" sz="7200" b="0" i="1" smtClean="0">
+                          <a:solidFill>
+                            <a:schemeClr val="accent2"/>
+                          </a:solidFill>
+                          <a:latin typeface="Cambria Math" panose="02040503050406030204" pitchFamily="18" charset="0"/>
+                        </a:rPr>
+                        <m:t>+</m:t>
+                      </m:r>
+                      <m:sSub>
+                        <m:sSubPr>
+                          <m:ctrlPr>
+                            <a:rPr lang="de-DE" sz="7200" b="0" i="1" smtClean="0">
+                              <a:solidFill>
+                                <a:schemeClr val="accent2"/>
+                              </a:solidFill>
+                              <a:latin typeface="Cambria Math" panose="02040503050406030204" pitchFamily="18" charset="0"/>
+                            </a:rPr>
+                          </m:ctrlPr>
+                        </m:sSubPr>
+                        <m:e>
+                          <m:acc>
+                            <m:accPr>
+                              <m:chr m:val="̂"/>
+                              <m:ctrlPr>
+                                <a:rPr lang="de-DE" sz="7200" b="0" i="1" smtClean="0">
+                                  <a:solidFill>
+                                    <a:schemeClr val="accent2"/>
+                                  </a:solidFill>
+                                  <a:latin typeface="Cambria Math" panose="02040503050406030204" pitchFamily="18" charset="0"/>
+                                </a:rPr>
+                              </m:ctrlPr>
+                            </m:accPr>
+                            <m:e>
+                              <m:r>
+                                <a:rPr lang="de-DE" sz="7200" b="0" i="1" smtClean="0">
+                                  <a:solidFill>
+                                    <a:schemeClr val="accent2"/>
+                                  </a:solidFill>
+                                  <a:latin typeface="Cambria Math" panose="02040503050406030204" pitchFamily="18" charset="0"/>
+                                </a:rPr>
+                                <m:t>𝑒</m:t>
+                              </m:r>
+                            </m:e>
+                          </m:acc>
+                        </m:e>
+                        <m:sub>
+                          <m:r>
+                            <a:rPr lang="de-DE" sz="7200" b="0" i="1" smtClean="0">
+                              <a:solidFill>
+                                <a:schemeClr val="accent2"/>
+                              </a:solidFill>
+                              <a:latin typeface="Cambria Math" panose="02040503050406030204" pitchFamily="18" charset="0"/>
+                            </a:rPr>
+                            <m:t>𝑖𝑗</m:t>
+                          </m:r>
+                        </m:sub>
+                      </m:sSub>
+                    </m:oMath>
+                  </m:oMathPara>
+                </a14:m>
+                <a:endParaRPr lang="de-DE" sz="7200" dirty="0"/>
+              </a:p>
+            </p:txBody>
+          </p:sp>
+        </mc:Choice>
+        <mc:Fallback>
+          <p:sp>
+            <p:nvSpPr>
+              <p:cNvPr id="2" name="Textfeld 1">
+                <a:extLst>
+                  <a:ext uri="{FF2B5EF4-FFF2-40B4-BE49-F238E27FC236}">
+                    <a16:creationId xmlns:a16="http://schemas.microsoft.com/office/drawing/2014/main" id="{F14DE17F-25F2-E840-BC10-84F93094511E}"/>
+                  </a:ext>
+                </a:extLst>
+              </p:cNvPr>
+              <p:cNvSpPr txBox="1">
+                <a:spLocks noRot="1" noChangeAspect="1" noMove="1" noResize="1" noEditPoints="1" noAdjustHandles="1" noChangeArrowheads="1" noChangeShapeType="1" noTextEdit="1"/>
+              </p:cNvSpPr>
+              <p:nvPr/>
+            </p:nvSpPr>
+            <p:spPr>
+              <a:xfrm>
+                <a:off x="99250" y="1216977"/>
+                <a:ext cx="11957632" cy="1282723"/>
+              </a:xfrm>
+              <a:prstGeom prst="rect">
+                <a:avLst/>
+              </a:prstGeom>
+              <a:blipFill>
+                <a:blip r:embed="rId2"/>
+                <a:stretch>
+                  <a:fillRect l="-1273" t="-17822" r="-636" b="-26733"/>
+                </a:stretch>
+              </a:blipFill>
+              <a:ln>
+                <a:noFill/>
+              </a:ln>
+            </p:spPr>
+            <p:txBody>
+              <a:bodyPr/>
+              <a:lstStyle/>
+              <a:p>
+                <a:r>
+                  <a:rPr lang="de-DE">
+                    <a:noFill/>
+                  </a:rPr>
+                  <a:t> </a:t>
+                </a:r>
+              </a:p>
+            </p:txBody>
+          </p:sp>
+        </mc:Fallback>
+      </mc:AlternateContent>
+      <p:sp>
+        <p:nvSpPr>
+          <p:cNvPr id="3" name="Geschweifte Klammer rechts 2">
+            <a:extLst>
+              <a:ext uri="{FF2B5EF4-FFF2-40B4-BE49-F238E27FC236}">
+                <a16:creationId xmlns:a16="http://schemas.microsoft.com/office/drawing/2014/main" id="{701463E4-665C-3846-AF82-662E5ED707AE}"/>
+              </a:ext>
+            </a:extLst>
+          </p:cNvPr>
+          <p:cNvSpPr/>
+          <p:nvPr/>
+        </p:nvSpPr>
+        <p:spPr>
+          <a:xfrm rot="5400000">
+            <a:off x="4655636" y="453838"/>
+            <a:ext cx="434715" cy="4680000"/>
+          </a:xfrm>
+          <a:prstGeom prst="rightBrace">
+            <a:avLst/>
+          </a:prstGeom>
+          <a:ln w="38100">
+            <a:solidFill>
+              <a:schemeClr val="tx1"/>
+            </a:solidFill>
+          </a:ln>
+        </p:spPr>
+        <p:style>
+          <a:lnRef idx="1">
+            <a:schemeClr val="accent1"/>
+          </a:lnRef>
+          <a:fillRef idx="0">
+            <a:schemeClr val="accent1"/>
+          </a:fillRef>
+          <a:effectRef idx="0">
+            <a:schemeClr val="accent1"/>
+          </a:effectRef>
+          <a:fontRef idx="minor">
+            <a:schemeClr val="tx1"/>
+          </a:fontRef>
+        </p:style>
+        <p:txBody>
+          <a:bodyPr rtlCol="0" anchor="ctr"/>
+          <a:lstStyle/>
+          <a:p>
+            <a:pPr algn="ctr"/>
+            <a:endParaRPr lang="de-DE"/>
+          </a:p>
+        </p:txBody>
+      </p:sp>
+      <p:sp>
+        <p:nvSpPr>
+          <p:cNvPr id="4" name="Geschweifte Klammer rechts 3">
+            <a:extLst>
+              <a:ext uri="{FF2B5EF4-FFF2-40B4-BE49-F238E27FC236}">
+                <a16:creationId xmlns:a16="http://schemas.microsoft.com/office/drawing/2014/main" id="{A2F50FF4-74D7-9642-B5EE-A63E797D0F80}"/>
+              </a:ext>
+            </a:extLst>
+          </p:cNvPr>
+          <p:cNvSpPr/>
+          <p:nvPr/>
+        </p:nvSpPr>
+        <p:spPr>
+          <a:xfrm rot="5400000">
+            <a:off x="8613206" y="2057166"/>
+            <a:ext cx="435600" cy="1656000"/>
+          </a:xfrm>
+          <a:prstGeom prst="rightBrace">
+            <a:avLst/>
+          </a:prstGeom>
+          <a:ln w="38100">
+            <a:solidFill>
+              <a:schemeClr val="tx1"/>
+            </a:solidFill>
+          </a:ln>
+        </p:spPr>
+        <p:style>
+          <a:lnRef idx="1">
+            <a:schemeClr val="accent1"/>
+          </a:lnRef>
+          <a:fillRef idx="0">
+            <a:schemeClr val="accent1"/>
+          </a:fillRef>
+          <a:effectRef idx="0">
+            <a:schemeClr val="accent1"/>
+          </a:effectRef>
+          <a:fontRef idx="minor">
+            <a:schemeClr val="tx1"/>
+          </a:fontRef>
+        </p:style>
+        <p:txBody>
+          <a:bodyPr rtlCol="0" anchor="ctr"/>
+          <a:lstStyle/>
+          <a:p>
+            <a:pPr algn="ctr"/>
+            <a:endParaRPr lang="de-DE"/>
+          </a:p>
+        </p:txBody>
+      </p:sp>
+      <p:sp>
+        <p:nvSpPr>
+          <p:cNvPr id="5" name="Geschweifte Klammer rechts 4">
+            <a:extLst>
+              <a:ext uri="{FF2B5EF4-FFF2-40B4-BE49-F238E27FC236}">
+                <a16:creationId xmlns:a16="http://schemas.microsoft.com/office/drawing/2014/main" id="{026BA7FF-C386-1A42-93C8-37CB3147A2F2}"/>
+              </a:ext>
+            </a:extLst>
+          </p:cNvPr>
+          <p:cNvSpPr/>
+          <p:nvPr/>
+        </p:nvSpPr>
+        <p:spPr>
+          <a:xfrm rot="5400000">
+            <a:off x="10702177" y="2042176"/>
+            <a:ext cx="435600" cy="1656000"/>
+          </a:xfrm>
+          <a:prstGeom prst="rightBrace">
+            <a:avLst/>
+          </a:prstGeom>
+          <a:ln w="38100">
+            <a:solidFill>
+              <a:schemeClr val="tx1"/>
+            </a:solidFill>
+          </a:ln>
+        </p:spPr>
+        <p:style>
+          <a:lnRef idx="1">
+            <a:schemeClr val="accent1"/>
+          </a:lnRef>
+          <a:fillRef idx="0">
+            <a:schemeClr val="accent1"/>
+          </a:fillRef>
+          <a:effectRef idx="0">
+            <a:schemeClr val="accent1"/>
+          </a:effectRef>
+          <a:fontRef idx="minor">
+            <a:schemeClr val="tx1"/>
+          </a:fontRef>
+        </p:style>
+        <p:txBody>
+          <a:bodyPr rtlCol="0" anchor="ctr"/>
+          <a:lstStyle/>
+          <a:p>
+            <a:pPr algn="ctr"/>
+            <a:endParaRPr lang="de-DE"/>
+          </a:p>
+        </p:txBody>
+      </p:sp>
+      <p:sp>
+        <p:nvSpPr>
+          <p:cNvPr id="6" name="Textfeld 5">
+            <a:extLst>
+              <a:ext uri="{FF2B5EF4-FFF2-40B4-BE49-F238E27FC236}">
+                <a16:creationId xmlns:a16="http://schemas.microsoft.com/office/drawing/2014/main" id="{F9B0B2AF-0B9D-D140-B828-48DA55FD83E5}"/>
+              </a:ext>
+            </a:extLst>
+          </p:cNvPr>
+          <p:cNvSpPr txBox="1"/>
+          <p:nvPr/>
+        </p:nvSpPr>
+        <p:spPr>
+          <a:xfrm>
+            <a:off x="2113613" y="3399019"/>
+            <a:ext cx="4586993" cy="1107996"/>
+          </a:xfrm>
+          <a:prstGeom prst="rect">
+            <a:avLst/>
+          </a:prstGeom>
+          <a:noFill/>
+        </p:spPr>
+        <p:txBody>
+          <a:bodyPr wrap="square" rtlCol="0">
+            <a:spAutoFit/>
+          </a:bodyPr>
+          <a:lstStyle/>
+          <a:p>
+            <a:pPr algn="ctr"/>
+            <a:r>
+              <a:rPr lang="de-DE" sz="6600" dirty="0">
+                <a:solidFill>
+                  <a:srgbClr val="C00000"/>
+                </a:solidFill>
+              </a:rPr>
+              <a:t>Fixed Part</a:t>
+            </a:r>
+          </a:p>
+        </p:txBody>
+      </p:sp>
+      <p:sp>
+        <p:nvSpPr>
+          <p:cNvPr id="7" name="Textfeld 6">
+            <a:extLst>
+              <a:ext uri="{FF2B5EF4-FFF2-40B4-BE49-F238E27FC236}">
+                <a16:creationId xmlns:a16="http://schemas.microsoft.com/office/drawing/2014/main" id="{EA0CB989-4713-4643-922D-74D22B36E181}"/>
+              </a:ext>
+            </a:extLst>
+          </p:cNvPr>
+          <p:cNvSpPr txBox="1"/>
+          <p:nvPr/>
+        </p:nvSpPr>
+        <p:spPr>
+          <a:xfrm>
+            <a:off x="5518876" y="4493404"/>
+            <a:ext cx="5456418" cy="1107996"/>
+          </a:xfrm>
+          <a:prstGeom prst="rect">
+            <a:avLst/>
+          </a:prstGeom>
+          <a:noFill/>
+        </p:spPr>
+        <p:txBody>
+          <a:bodyPr wrap="square" rtlCol="0">
+            <a:spAutoFit/>
+          </a:bodyPr>
+          <a:lstStyle/>
+          <a:p>
+            <a:r>
+              <a:rPr lang="de-DE" sz="6600" dirty="0">
+                <a:solidFill>
+                  <a:srgbClr val="0070C0"/>
+                </a:solidFill>
+              </a:rPr>
+              <a:t>Random Part</a:t>
+            </a:r>
+          </a:p>
+        </p:txBody>
+      </p:sp>
+      <p:sp>
+        <p:nvSpPr>
+          <p:cNvPr id="8" name="Textfeld 7">
+            <a:extLst>
+              <a:ext uri="{FF2B5EF4-FFF2-40B4-BE49-F238E27FC236}">
+                <a16:creationId xmlns:a16="http://schemas.microsoft.com/office/drawing/2014/main" id="{1A12411D-D8B3-FF40-838C-4C7838E19F23}"/>
+              </a:ext>
+            </a:extLst>
+          </p:cNvPr>
+          <p:cNvSpPr txBox="1"/>
+          <p:nvPr/>
+        </p:nvSpPr>
+        <p:spPr>
+          <a:xfrm>
+            <a:off x="10039657" y="5586410"/>
+            <a:ext cx="2171075" cy="1107996"/>
+          </a:xfrm>
+          <a:prstGeom prst="rect">
+            <a:avLst/>
+          </a:prstGeom>
+          <a:noFill/>
+        </p:spPr>
+        <p:txBody>
+          <a:bodyPr wrap="square" rtlCol="0">
+            <a:spAutoFit/>
+          </a:bodyPr>
+          <a:lstStyle/>
+          <a:p>
+            <a:r>
+              <a:rPr lang="de-DE" sz="6600" dirty="0">
+                <a:solidFill>
+                  <a:schemeClr val="accent2"/>
+                </a:solidFill>
+              </a:rPr>
+              <a:t>Error</a:t>
+            </a:r>
+          </a:p>
+        </p:txBody>
+      </p:sp>
+      <p:cxnSp>
+        <p:nvCxnSpPr>
+          <p:cNvPr id="10" name="Gerade Verbindung 9">
+            <a:extLst>
+              <a:ext uri="{FF2B5EF4-FFF2-40B4-BE49-F238E27FC236}">
+                <a16:creationId xmlns:a16="http://schemas.microsoft.com/office/drawing/2014/main" id="{B5672A34-B0FE-454A-BA7D-062505355028}"/>
+              </a:ext>
+            </a:extLst>
+          </p:cNvPr>
+          <p:cNvCxnSpPr>
+            <a:cxnSpLocks/>
+          </p:cNvCxnSpPr>
+          <p:nvPr/>
+        </p:nvCxnSpPr>
+        <p:spPr>
+          <a:xfrm>
+            <a:off x="8831006" y="3114209"/>
+            <a:ext cx="0" cy="1407796"/>
+          </a:xfrm>
+          <a:prstGeom prst="line">
+            <a:avLst/>
+          </a:prstGeom>
+          <a:ln w="38100"/>
+        </p:spPr>
+        <p:style>
+          <a:lnRef idx="1">
+            <a:schemeClr val="dk1"/>
+          </a:lnRef>
+          <a:fillRef idx="0">
+            <a:schemeClr val="dk1"/>
+          </a:fillRef>
+          <a:effectRef idx="0">
+            <a:schemeClr val="dk1"/>
+          </a:effectRef>
+          <a:fontRef idx="minor">
+            <a:schemeClr val="tx1"/>
+          </a:fontRef>
+        </p:style>
+      </p:cxnSp>
+      <p:cxnSp>
+        <p:nvCxnSpPr>
+          <p:cNvPr id="11" name="Gerade Verbindung 10">
+            <a:extLst>
+              <a:ext uri="{FF2B5EF4-FFF2-40B4-BE49-F238E27FC236}">
+                <a16:creationId xmlns:a16="http://schemas.microsoft.com/office/drawing/2014/main" id="{7C66C2A7-2376-5045-84CB-0A103D8C7185}"/>
+              </a:ext>
+            </a:extLst>
+          </p:cNvPr>
+          <p:cNvCxnSpPr>
+            <a:cxnSpLocks/>
+          </p:cNvCxnSpPr>
+          <p:nvPr/>
+        </p:nvCxnSpPr>
+        <p:spPr>
+          <a:xfrm>
+            <a:off x="10934967" y="3099219"/>
+            <a:ext cx="0" cy="2731955"/>
+          </a:xfrm>
+          <a:prstGeom prst="line">
+            <a:avLst/>
+          </a:prstGeom>
+          <a:ln w="38100"/>
+        </p:spPr>
+        <p:style>
+          <a:lnRef idx="1">
+            <a:schemeClr val="dk1"/>
+          </a:lnRef>
+          <a:fillRef idx="0">
+            <a:schemeClr val="dk1"/>
+          </a:fillRef>
+          <a:effectRef idx="0">
+            <a:schemeClr val="dk1"/>
+          </a:effectRef>
+          <a:fontRef idx="minor">
+            <a:schemeClr val="tx1"/>
+          </a:fontRef>
+        </p:style>
+      </p:cxnSp>
+      <p:sp>
+        <p:nvSpPr>
+          <p:cNvPr id="13" name="Textfeld 12">
+            <a:extLst>
+              <a:ext uri="{FF2B5EF4-FFF2-40B4-BE49-F238E27FC236}">
+                <a16:creationId xmlns:a16="http://schemas.microsoft.com/office/drawing/2014/main" id="{0B57F586-F351-E64E-AC43-51FB89DEC9F3}"/>
+              </a:ext>
+            </a:extLst>
+          </p:cNvPr>
+          <p:cNvSpPr txBox="1"/>
+          <p:nvPr/>
+        </p:nvSpPr>
+        <p:spPr>
+          <a:xfrm>
+            <a:off x="166870" y="245449"/>
+            <a:ext cx="5079684" cy="646331"/>
+          </a:xfrm>
+          <a:prstGeom prst="rect">
+            <a:avLst/>
+          </a:prstGeom>
+          <a:noFill/>
+        </p:spPr>
+        <p:txBody>
+          <a:bodyPr wrap="square" rtlCol="0">
+            <a:spAutoFit/>
+          </a:bodyPr>
+          <a:lstStyle/>
+          <a:p>
+            <a:r>
+              <a:rPr lang="de-DE" sz="3600" dirty="0" err="1"/>
+              <a:t>Schüler:in</a:t>
+            </a:r>
+            <a:r>
+              <a:rPr lang="de-DE" sz="3600" dirty="0"/>
+              <a:t> </a:t>
+            </a:r>
+            <a:r>
+              <a:rPr lang="de-DE" sz="3600" i="1" dirty="0">
+                <a:solidFill>
+                  <a:schemeClr val="accent6"/>
+                </a:solidFill>
+              </a:rPr>
+              <a:t>i</a:t>
+            </a:r>
+            <a:r>
+              <a:rPr lang="de-DE" sz="3600" dirty="0">
+                <a:solidFill>
+                  <a:schemeClr val="accent6"/>
+                </a:solidFill>
+              </a:rPr>
+              <a:t> </a:t>
+            </a:r>
+            <a:r>
+              <a:rPr lang="de-DE" sz="3600" dirty="0"/>
+              <a:t>in</a:t>
+            </a:r>
+            <a:r>
+              <a:rPr lang="de-DE" sz="3600" dirty="0">
+                <a:solidFill>
+                  <a:schemeClr val="accent6"/>
+                </a:solidFill>
+              </a:rPr>
+              <a:t> </a:t>
+            </a:r>
+            <a:r>
+              <a:rPr lang="de-DE" sz="3600" dirty="0"/>
+              <a:t>Schule</a:t>
+            </a:r>
+            <a:r>
+              <a:rPr lang="de-DE" sz="3600" dirty="0">
+                <a:solidFill>
+                  <a:schemeClr val="accent6"/>
+                </a:solidFill>
+              </a:rPr>
+              <a:t> </a:t>
+            </a:r>
+            <a:r>
+              <a:rPr lang="de-DE" sz="3600" i="1" dirty="0" err="1">
+                <a:solidFill>
+                  <a:srgbClr val="7030A0"/>
+                </a:solidFill>
+              </a:rPr>
+              <a:t>j</a:t>
+            </a:r>
+            <a:endParaRPr lang="de-DE" sz="3600" i="1" dirty="0">
+              <a:solidFill>
+                <a:srgbClr val="7030A0"/>
+              </a:solidFill>
+            </a:endParaRPr>
+          </a:p>
+        </p:txBody>
+      </p:sp>
+      <p:cxnSp>
+        <p:nvCxnSpPr>
+          <p:cNvPr id="15" name="Gerade Verbindung 14">
+            <a:extLst>
+              <a:ext uri="{FF2B5EF4-FFF2-40B4-BE49-F238E27FC236}">
+                <a16:creationId xmlns:a16="http://schemas.microsoft.com/office/drawing/2014/main" id="{20CC4C15-394A-9744-ACB1-62A4F6A213BF}"/>
+              </a:ext>
+            </a:extLst>
+          </p:cNvPr>
+          <p:cNvCxnSpPr>
+            <a:cxnSpLocks/>
+          </p:cNvCxnSpPr>
+          <p:nvPr/>
+        </p:nvCxnSpPr>
+        <p:spPr>
+          <a:xfrm>
+            <a:off x="4877738" y="3069238"/>
+            <a:ext cx="0" cy="491119"/>
+          </a:xfrm>
+          <a:prstGeom prst="line">
+            <a:avLst/>
+          </a:prstGeom>
+          <a:ln w="38100"/>
+        </p:spPr>
+        <p:style>
+          <a:lnRef idx="1">
+            <a:schemeClr val="dk1"/>
+          </a:lnRef>
+          <a:fillRef idx="0">
+            <a:schemeClr val="dk1"/>
+          </a:fillRef>
+          <a:effectRef idx="0">
+            <a:schemeClr val="dk1"/>
+          </a:effectRef>
+          <a:fontRef idx="minor">
+            <a:schemeClr val="tx1"/>
+          </a:fontRef>
+        </p:style>
+      </p:cxnSp>
+      <p:cxnSp>
+        <p:nvCxnSpPr>
+          <p:cNvPr id="20" name="Gerade Verbindung 19">
+            <a:extLst>
+              <a:ext uri="{FF2B5EF4-FFF2-40B4-BE49-F238E27FC236}">
+                <a16:creationId xmlns:a16="http://schemas.microsoft.com/office/drawing/2014/main" id="{B9056209-233D-C94D-8518-9A6B7102DAD4}"/>
+              </a:ext>
+            </a:extLst>
+          </p:cNvPr>
+          <p:cNvCxnSpPr>
+            <a:cxnSpLocks/>
+          </p:cNvCxnSpPr>
+          <p:nvPr/>
+        </p:nvCxnSpPr>
+        <p:spPr>
+          <a:xfrm>
+            <a:off x="1041564" y="1009615"/>
+            <a:ext cx="0" cy="744234"/>
+          </a:xfrm>
+          <a:prstGeom prst="line">
+            <a:avLst/>
+          </a:prstGeom>
+          <a:ln w="38100"/>
+        </p:spPr>
+        <p:style>
+          <a:lnRef idx="1">
+            <a:schemeClr val="dk1"/>
+          </a:lnRef>
+          <a:fillRef idx="0">
+            <a:schemeClr val="dk1"/>
+          </a:fillRef>
+          <a:effectRef idx="0">
+            <a:schemeClr val="dk1"/>
+          </a:effectRef>
+          <a:fontRef idx="minor">
+            <a:schemeClr val="tx1"/>
+          </a:fontRef>
+        </p:style>
+      </p:cxnSp>
+    </p:spTree>
+    <p:extLst>
+      <p:ext uri="{BB962C8B-B14F-4D97-AF65-F5344CB8AC3E}">
+        <p14:creationId xmlns:p14="http://schemas.microsoft.com/office/powerpoint/2010/main" val="411040928"/>
+      </p:ext>
+    </p:extLst>
+  </p:cSld>
+  <p:clrMapOvr>
+    <a:masterClrMapping/>
+  </p:clrMapOvr>
+</p:sld>
+</file>
+
 <file path=ppt/theme/theme1.xml><?xml version="1.0" encoding="utf-8"?>
 <a:theme xmlns:a="http://schemas.openxmlformats.org/drawingml/2006/main" name="Office">
   <a:themeElements>

--- a/docs/files/slides.pptx
+++ b/docs/files/slides.pptx
@@ -6,7 +6,10 @@
   </p:sldMasterIdLst>
   <p:sldIdLst>
     <p:sldId id="256" r:id="rId2"/>
-    <p:sldId id="257" r:id="rId3"/>
+    <p:sldId id="260" r:id="rId3"/>
+    <p:sldId id="259" r:id="rId4"/>
+    <p:sldId id="258" r:id="rId5"/>
+    <p:sldId id="257" r:id="rId6"/>
   </p:sldIdLst>
   <p:sldSz cx="12192000" cy="6858000"/>
   <p:notesSz cx="6858000" cy="9144000"/>
@@ -3490,15 +3493,15 @@
             </a:extLst>
           </p:cNvPr>
           <p:cNvCxnSpPr>
-            <a:stCxn id="6" idx="3"/>
+            <a:cxnSpLocks/>
             <a:endCxn id="5" idx="0"/>
           </p:cNvCxnSpPr>
           <p:nvPr/>
         </p:nvCxnSpPr>
         <p:spPr>
           <a:xfrm>
-            <a:off x="8029732" y="1736272"/>
-            <a:ext cx="1933732" cy="2588926"/>
+            <a:off x="8029732" y="2532802"/>
+            <a:ext cx="1933732" cy="1792396"/>
           </a:xfrm>
           <a:prstGeom prst="straightConnector1">
             <a:avLst/>
@@ -3919,6 +3922,41 @@
           </a:p>
         </p:txBody>
       </p:sp>
+      <p:sp>
+        <p:nvSpPr>
+          <p:cNvPr id="16" name="Textfeld 15">
+            <a:extLst>
+              <a:ext uri="{FF2B5EF4-FFF2-40B4-BE49-F238E27FC236}">
+                <a16:creationId xmlns:a16="http://schemas.microsoft.com/office/drawing/2014/main" id="{219BCCBB-5712-AB46-8B91-A07112B55852}"/>
+              </a:ext>
+            </a:extLst>
+          </p:cNvPr>
+          <p:cNvSpPr txBox="1"/>
+          <p:nvPr/>
+        </p:nvSpPr>
+        <p:spPr>
+          <a:xfrm>
+            <a:off x="267177" y="293409"/>
+            <a:ext cx="2940805" cy="646331"/>
+          </a:xfrm>
+          <a:prstGeom prst="rect">
+            <a:avLst/>
+          </a:prstGeom>
+          <a:noFill/>
+        </p:spPr>
+        <p:txBody>
+          <a:bodyPr wrap="none" rtlCol="0">
+            <a:spAutoFit/>
+          </a:bodyPr>
+          <a:lstStyle/>
+          <a:p>
+            <a:r>
+              <a:rPr lang="de-DE" sz="3600" i="1" dirty="0"/>
+              <a:t>Konfundierung</a:t>
+            </a:r>
+          </a:p>
+        </p:txBody>
+      </p:sp>
     </p:spTree>
     <p:extLst>
       <p:ext uri="{BB962C8B-B14F-4D97-AF65-F5344CB8AC3E}">
@@ -3933,6 +3971,1551 @@
 </file>
 
 <file path=ppt/slides/slide2.xml><?xml version="1.0" encoding="utf-8"?>
+<p:sld xmlns:a="http://schemas.openxmlformats.org/drawingml/2006/main" xmlns:r="http://schemas.openxmlformats.org/officeDocument/2006/relationships" xmlns:p="http://schemas.openxmlformats.org/presentationml/2006/main">
+  <p:cSld>
+    <p:spTree>
+      <p:nvGrpSpPr>
+        <p:cNvPr id="1" name=""/>
+        <p:cNvGrpSpPr/>
+        <p:nvPr/>
+      </p:nvGrpSpPr>
+      <p:grpSpPr>
+        <a:xfrm>
+          <a:off x="0" y="0"/>
+          <a:ext cx="0" cy="0"/>
+          <a:chOff x="0" y="0"/>
+          <a:chExt cx="0" cy="0"/>
+        </a:xfrm>
+      </p:grpSpPr>
+      <p:sp>
+        <p:nvSpPr>
+          <p:cNvPr id="38" name="Rechteck 37">
+            <a:extLst>
+              <a:ext uri="{FF2B5EF4-FFF2-40B4-BE49-F238E27FC236}">
+                <a16:creationId xmlns:a16="http://schemas.microsoft.com/office/drawing/2014/main" id="{09802329-968A-8841-BF01-8FBD052C0C45}"/>
+              </a:ext>
+            </a:extLst>
+          </p:cNvPr>
+          <p:cNvSpPr/>
+          <p:nvPr/>
+        </p:nvSpPr>
+        <p:spPr>
+          <a:xfrm>
+            <a:off x="0" y="0"/>
+            <a:ext cx="12192000" cy="3429000"/>
+          </a:xfrm>
+          <a:prstGeom prst="rect">
+            <a:avLst/>
+          </a:prstGeom>
+          <a:solidFill>
+            <a:schemeClr val="accent3">
+              <a:lumMod val="20000"/>
+              <a:lumOff val="80000"/>
+            </a:schemeClr>
+          </a:solidFill>
+          <a:ln>
+            <a:noFill/>
+          </a:ln>
+        </p:spPr>
+        <p:style>
+          <a:lnRef idx="2">
+            <a:schemeClr val="accent1">
+              <a:shade val="50000"/>
+            </a:schemeClr>
+          </a:lnRef>
+          <a:fillRef idx="1">
+            <a:schemeClr val="accent1"/>
+          </a:fillRef>
+          <a:effectRef idx="0">
+            <a:schemeClr val="accent1"/>
+          </a:effectRef>
+          <a:fontRef idx="minor">
+            <a:schemeClr val="lt1"/>
+          </a:fontRef>
+        </p:style>
+        <p:txBody>
+          <a:bodyPr rtlCol="0" anchor="ctr"/>
+          <a:lstStyle/>
+          <a:p>
+            <a:pPr algn="ctr"/>
+            <a:endParaRPr lang="de-DE"/>
+          </a:p>
+        </p:txBody>
+      </p:sp>
+      <p:sp>
+        <p:nvSpPr>
+          <p:cNvPr id="5" name="Rechteck 4">
+            <a:extLst>
+              <a:ext uri="{FF2B5EF4-FFF2-40B4-BE49-F238E27FC236}">
+                <a16:creationId xmlns:a16="http://schemas.microsoft.com/office/drawing/2014/main" id="{CC3162DF-6A27-0948-8F9E-CF74E1559221}"/>
+              </a:ext>
+            </a:extLst>
+          </p:cNvPr>
+          <p:cNvSpPr/>
+          <p:nvPr/>
+        </p:nvSpPr>
+        <p:spPr>
+          <a:xfrm>
+            <a:off x="8029732" y="4325198"/>
+            <a:ext cx="3867463" cy="1593062"/>
+          </a:xfrm>
+          <a:prstGeom prst="rect">
+            <a:avLst/>
+          </a:prstGeom>
+        </p:spPr>
+        <p:style>
+          <a:lnRef idx="2">
+            <a:schemeClr val="accent1">
+              <a:shade val="50000"/>
+            </a:schemeClr>
+          </a:lnRef>
+          <a:fillRef idx="1">
+            <a:schemeClr val="accent1"/>
+          </a:fillRef>
+          <a:effectRef idx="0">
+            <a:schemeClr val="accent1"/>
+          </a:effectRef>
+          <a:fontRef idx="minor">
+            <a:schemeClr val="lt1"/>
+          </a:fontRef>
+        </p:style>
+        <p:txBody>
+          <a:bodyPr rtlCol="0" anchor="ctr"/>
+          <a:lstStyle/>
+          <a:p>
+            <a:pPr algn="ctr"/>
+            <a:r>
+              <a:rPr lang="de-DE" sz="3200" dirty="0"/>
+              <a:t>abhängige Variable</a:t>
+            </a:r>
+          </a:p>
+        </p:txBody>
+      </p:sp>
+      <p:cxnSp>
+        <p:nvCxnSpPr>
+          <p:cNvPr id="15" name="Gerade Verbindung mit Pfeil 14">
+            <a:extLst>
+              <a:ext uri="{FF2B5EF4-FFF2-40B4-BE49-F238E27FC236}">
+                <a16:creationId xmlns:a16="http://schemas.microsoft.com/office/drawing/2014/main" id="{81DE97D8-EC69-474E-B991-B0695DF7B36D}"/>
+              </a:ext>
+            </a:extLst>
+          </p:cNvPr>
+          <p:cNvCxnSpPr>
+            <a:cxnSpLocks/>
+            <a:endCxn id="5" idx="0"/>
+          </p:cNvCxnSpPr>
+          <p:nvPr/>
+        </p:nvCxnSpPr>
+        <p:spPr>
+          <a:xfrm>
+            <a:off x="8029727" y="2532802"/>
+            <a:ext cx="1933737" cy="1792396"/>
+          </a:xfrm>
+          <a:prstGeom prst="straightConnector1">
+            <a:avLst/>
+          </a:prstGeom>
+          <a:ln w="101600" cap="rnd">
+            <a:solidFill>
+              <a:schemeClr val="tx1"/>
+            </a:solidFill>
+            <a:tailEnd type="triangle"/>
+          </a:ln>
+        </p:spPr>
+        <p:style>
+          <a:lnRef idx="1">
+            <a:schemeClr val="accent1"/>
+          </a:lnRef>
+          <a:fillRef idx="0">
+            <a:schemeClr val="accent1"/>
+          </a:fillRef>
+          <a:effectRef idx="0">
+            <a:schemeClr val="accent1"/>
+          </a:effectRef>
+          <a:fontRef idx="minor">
+            <a:schemeClr val="tx1"/>
+          </a:fontRef>
+        </p:style>
+      </p:cxnSp>
+      <p:sp>
+        <p:nvSpPr>
+          <p:cNvPr id="6" name="Rechteck 5">
+            <a:extLst>
+              <a:ext uri="{FF2B5EF4-FFF2-40B4-BE49-F238E27FC236}">
+                <a16:creationId xmlns:a16="http://schemas.microsoft.com/office/drawing/2014/main" id="{0E3A7986-A5A8-374E-B17A-A892EB8217EB}"/>
+              </a:ext>
+            </a:extLst>
+          </p:cNvPr>
+          <p:cNvSpPr/>
+          <p:nvPr/>
+        </p:nvSpPr>
+        <p:spPr>
+          <a:xfrm>
+            <a:off x="4162269" y="939741"/>
+            <a:ext cx="3867463" cy="1593062"/>
+          </a:xfrm>
+          <a:prstGeom prst="rect">
+            <a:avLst/>
+          </a:prstGeom>
+          <a:solidFill>
+            <a:schemeClr val="accent2">
+              <a:lumMod val="40000"/>
+              <a:lumOff val="60000"/>
+            </a:schemeClr>
+          </a:solidFill>
+          <a:ln>
+            <a:solidFill>
+              <a:schemeClr val="tx1"/>
+            </a:solidFill>
+          </a:ln>
+        </p:spPr>
+        <p:style>
+          <a:lnRef idx="2">
+            <a:schemeClr val="accent1">
+              <a:shade val="50000"/>
+            </a:schemeClr>
+          </a:lnRef>
+          <a:fillRef idx="1">
+            <a:schemeClr val="accent1"/>
+          </a:fillRef>
+          <a:effectRef idx="0">
+            <a:schemeClr val="accent1"/>
+          </a:effectRef>
+          <a:fontRef idx="minor">
+            <a:schemeClr val="lt1"/>
+          </a:fontRef>
+        </p:style>
+        <p:txBody>
+          <a:bodyPr rtlCol="0" anchor="ctr"/>
+          <a:lstStyle/>
+          <a:p>
+            <a:pPr algn="ctr"/>
+            <a:r>
+              <a:rPr lang="de-DE" sz="3200" dirty="0">
+                <a:solidFill>
+                  <a:schemeClr val="tx1"/>
+                </a:solidFill>
+              </a:rPr>
+              <a:t>Mediator</a:t>
+            </a:r>
+          </a:p>
+        </p:txBody>
+      </p:sp>
+      <p:cxnSp>
+        <p:nvCxnSpPr>
+          <p:cNvPr id="32" name="Gerade Verbindung mit Pfeil 31">
+            <a:extLst>
+              <a:ext uri="{FF2B5EF4-FFF2-40B4-BE49-F238E27FC236}">
+                <a16:creationId xmlns:a16="http://schemas.microsoft.com/office/drawing/2014/main" id="{172142C5-5BC2-4B4B-839D-1F6EE113B0F7}"/>
+              </a:ext>
+            </a:extLst>
+          </p:cNvPr>
+          <p:cNvCxnSpPr>
+            <a:cxnSpLocks/>
+            <a:stCxn id="4" idx="3"/>
+            <a:endCxn id="5" idx="1"/>
+          </p:cNvCxnSpPr>
+          <p:nvPr/>
+        </p:nvCxnSpPr>
+        <p:spPr>
+          <a:xfrm>
+            <a:off x="4162268" y="5121729"/>
+            <a:ext cx="3867464" cy="0"/>
+          </a:xfrm>
+          <a:prstGeom prst="straightConnector1">
+            <a:avLst/>
+          </a:prstGeom>
+          <a:ln w="101600">
+            <a:solidFill>
+              <a:schemeClr val="tx1"/>
+            </a:solidFill>
+            <a:prstDash val="lgDash"/>
+            <a:tailEnd type="triangle"/>
+          </a:ln>
+        </p:spPr>
+        <p:style>
+          <a:lnRef idx="1">
+            <a:schemeClr val="accent1"/>
+          </a:lnRef>
+          <a:fillRef idx="0">
+            <a:schemeClr val="accent1"/>
+          </a:fillRef>
+          <a:effectRef idx="0">
+            <a:schemeClr val="accent1"/>
+          </a:effectRef>
+          <a:fontRef idx="minor">
+            <a:schemeClr val="tx1"/>
+          </a:fontRef>
+        </p:style>
+      </p:cxnSp>
+      <p:sp>
+        <p:nvSpPr>
+          <p:cNvPr id="36" name="Textfeld 35">
+            <a:extLst>
+              <a:ext uri="{FF2B5EF4-FFF2-40B4-BE49-F238E27FC236}">
+                <a16:creationId xmlns:a16="http://schemas.microsoft.com/office/drawing/2014/main" id="{AF6C2230-DEC3-CD4F-B4FA-3F257BF73D4E}"/>
+              </a:ext>
+            </a:extLst>
+          </p:cNvPr>
+          <p:cNvSpPr txBox="1"/>
+          <p:nvPr/>
+        </p:nvSpPr>
+        <p:spPr>
+          <a:xfrm>
+            <a:off x="4564141" y="5259209"/>
+            <a:ext cx="3063724" cy="707886"/>
+          </a:xfrm>
+          <a:prstGeom prst="rect">
+            <a:avLst/>
+          </a:prstGeom>
+          <a:noFill/>
+        </p:spPr>
+        <p:txBody>
+          <a:bodyPr wrap="none" rtlCol="0">
+            <a:spAutoFit/>
+          </a:bodyPr>
+          <a:lstStyle/>
+          <a:p>
+            <a:pPr algn="ctr"/>
+            <a:r>
+              <a:rPr lang="de-DE" sz="2000" dirty="0"/>
+              <a:t>Kausaler Effekt</a:t>
+            </a:r>
+          </a:p>
+          <a:p>
+            <a:pPr algn="ctr"/>
+            <a:r>
+              <a:rPr lang="de-DE" sz="2000" dirty="0"/>
+              <a:t>(vermittelt durch Mediator)</a:t>
+            </a:r>
+          </a:p>
+        </p:txBody>
+      </p:sp>
+      <p:sp>
+        <p:nvSpPr>
+          <p:cNvPr id="37" name="Textfeld 36">
+            <a:extLst>
+              <a:ext uri="{FF2B5EF4-FFF2-40B4-BE49-F238E27FC236}">
+                <a16:creationId xmlns:a16="http://schemas.microsoft.com/office/drawing/2014/main" id="{192B614D-26E4-9543-884C-7830A25DDBED}"/>
+              </a:ext>
+            </a:extLst>
+          </p:cNvPr>
+          <p:cNvSpPr txBox="1"/>
+          <p:nvPr/>
+        </p:nvSpPr>
+        <p:spPr>
+          <a:xfrm>
+            <a:off x="8996595" y="2828836"/>
+            <a:ext cx="1690399" cy="400110"/>
+          </a:xfrm>
+          <a:prstGeom prst="rect">
+            <a:avLst/>
+          </a:prstGeom>
+          <a:noFill/>
+        </p:spPr>
+        <p:txBody>
+          <a:bodyPr wrap="none" rtlCol="0">
+            <a:spAutoFit/>
+          </a:bodyPr>
+          <a:lstStyle/>
+          <a:p>
+            <a:r>
+              <a:rPr lang="de-DE" sz="2000" dirty="0"/>
+              <a:t>Kausalwirkung</a:t>
+            </a:r>
+          </a:p>
+        </p:txBody>
+      </p:sp>
+      <p:sp>
+        <p:nvSpPr>
+          <p:cNvPr id="40" name="Textfeld 39">
+            <a:extLst>
+              <a:ext uri="{FF2B5EF4-FFF2-40B4-BE49-F238E27FC236}">
+                <a16:creationId xmlns:a16="http://schemas.microsoft.com/office/drawing/2014/main" id="{94E79756-F62D-5C48-A063-A3618496F183}"/>
+              </a:ext>
+            </a:extLst>
+          </p:cNvPr>
+          <p:cNvSpPr txBox="1"/>
+          <p:nvPr/>
+        </p:nvSpPr>
+        <p:spPr>
+          <a:xfrm>
+            <a:off x="267177" y="293409"/>
+            <a:ext cx="2114681" cy="646331"/>
+          </a:xfrm>
+          <a:prstGeom prst="rect">
+            <a:avLst/>
+          </a:prstGeom>
+          <a:noFill/>
+        </p:spPr>
+        <p:txBody>
+          <a:bodyPr wrap="none" rtlCol="0">
+            <a:spAutoFit/>
+          </a:bodyPr>
+          <a:lstStyle/>
+          <a:p>
+            <a:r>
+              <a:rPr lang="de-DE" sz="3600" i="1"/>
+              <a:t>Mediation</a:t>
+            </a:r>
+            <a:endParaRPr lang="de-DE" sz="3600" i="1" dirty="0"/>
+          </a:p>
+        </p:txBody>
+      </p:sp>
+      <p:cxnSp>
+        <p:nvCxnSpPr>
+          <p:cNvPr id="16" name="Gerade Verbindung mit Pfeil 15">
+            <a:extLst>
+              <a:ext uri="{FF2B5EF4-FFF2-40B4-BE49-F238E27FC236}">
+                <a16:creationId xmlns:a16="http://schemas.microsoft.com/office/drawing/2014/main" id="{7AE7A027-760D-AD40-BDAE-5B438710F623}"/>
+              </a:ext>
+            </a:extLst>
+          </p:cNvPr>
+          <p:cNvCxnSpPr>
+            <a:cxnSpLocks/>
+            <a:stCxn id="4" idx="0"/>
+          </p:cNvCxnSpPr>
+          <p:nvPr/>
+        </p:nvCxnSpPr>
+        <p:spPr>
+          <a:xfrm flipV="1">
+            <a:off x="2228537" y="2532802"/>
+            <a:ext cx="1933731" cy="1792396"/>
+          </a:xfrm>
+          <a:prstGeom prst="straightConnector1">
+            <a:avLst/>
+          </a:prstGeom>
+          <a:ln w="101600" cap="rnd">
+            <a:solidFill>
+              <a:schemeClr val="tx1"/>
+            </a:solidFill>
+            <a:tailEnd type="triangle"/>
+          </a:ln>
+        </p:spPr>
+        <p:style>
+          <a:lnRef idx="1">
+            <a:schemeClr val="accent1"/>
+          </a:lnRef>
+          <a:fillRef idx="0">
+            <a:schemeClr val="accent1"/>
+          </a:fillRef>
+          <a:effectRef idx="0">
+            <a:schemeClr val="accent1"/>
+          </a:effectRef>
+          <a:fontRef idx="minor">
+            <a:schemeClr val="tx1"/>
+          </a:fontRef>
+        </p:style>
+      </p:cxnSp>
+      <p:sp>
+        <p:nvSpPr>
+          <p:cNvPr id="4" name="Rechteck 3">
+            <a:extLst>
+              <a:ext uri="{FF2B5EF4-FFF2-40B4-BE49-F238E27FC236}">
+                <a16:creationId xmlns:a16="http://schemas.microsoft.com/office/drawing/2014/main" id="{3A3DE8DE-C1DC-E44A-9FBA-07509BC25656}"/>
+              </a:ext>
+            </a:extLst>
+          </p:cNvPr>
+          <p:cNvSpPr/>
+          <p:nvPr/>
+        </p:nvSpPr>
+        <p:spPr>
+          <a:xfrm>
+            <a:off x="294805" y="4325198"/>
+            <a:ext cx="3867463" cy="1593062"/>
+          </a:xfrm>
+          <a:prstGeom prst="rect">
+            <a:avLst/>
+          </a:prstGeom>
+        </p:spPr>
+        <p:style>
+          <a:lnRef idx="2">
+            <a:schemeClr val="accent1">
+              <a:shade val="50000"/>
+            </a:schemeClr>
+          </a:lnRef>
+          <a:fillRef idx="1">
+            <a:schemeClr val="accent1"/>
+          </a:fillRef>
+          <a:effectRef idx="0">
+            <a:schemeClr val="accent1"/>
+          </a:effectRef>
+          <a:fontRef idx="minor">
+            <a:schemeClr val="lt1"/>
+          </a:fontRef>
+        </p:style>
+        <p:txBody>
+          <a:bodyPr rtlCol="0" anchor="ctr"/>
+          <a:lstStyle/>
+          <a:p>
+            <a:pPr algn="ctr"/>
+            <a:r>
+              <a:rPr lang="de-DE" sz="3200" dirty="0"/>
+              <a:t>unabhängige Variable</a:t>
+            </a:r>
+          </a:p>
+        </p:txBody>
+      </p:sp>
+      <p:sp>
+        <p:nvSpPr>
+          <p:cNvPr id="20" name="Textfeld 19">
+            <a:extLst>
+              <a:ext uri="{FF2B5EF4-FFF2-40B4-BE49-F238E27FC236}">
+                <a16:creationId xmlns:a16="http://schemas.microsoft.com/office/drawing/2014/main" id="{D5377579-261F-7248-A5D4-AFFB61D75703}"/>
+              </a:ext>
+            </a:extLst>
+          </p:cNvPr>
+          <p:cNvSpPr txBox="1"/>
+          <p:nvPr/>
+        </p:nvSpPr>
+        <p:spPr>
+          <a:xfrm>
+            <a:off x="1505003" y="2828836"/>
+            <a:ext cx="1690399" cy="400110"/>
+          </a:xfrm>
+          <a:prstGeom prst="rect">
+            <a:avLst/>
+          </a:prstGeom>
+          <a:noFill/>
+        </p:spPr>
+        <p:txBody>
+          <a:bodyPr wrap="none" rtlCol="0">
+            <a:spAutoFit/>
+          </a:bodyPr>
+          <a:lstStyle/>
+          <a:p>
+            <a:r>
+              <a:rPr lang="de-DE" sz="2000" dirty="0"/>
+              <a:t>Kausalwirkung</a:t>
+            </a:r>
+          </a:p>
+        </p:txBody>
+      </p:sp>
+    </p:spTree>
+    <p:extLst>
+      <p:ext uri="{BB962C8B-B14F-4D97-AF65-F5344CB8AC3E}">
+        <p14:creationId xmlns:p14="http://schemas.microsoft.com/office/powerpoint/2010/main" val="189666801"/>
+      </p:ext>
+    </p:extLst>
+  </p:cSld>
+  <p:clrMapOvr>
+    <a:masterClrMapping/>
+  </p:clrMapOvr>
+</p:sld>
+</file>
+
+<file path=ppt/slides/slide3.xml><?xml version="1.0" encoding="utf-8"?>
+<p:sld xmlns:a="http://schemas.openxmlformats.org/drawingml/2006/main" xmlns:r="http://schemas.openxmlformats.org/officeDocument/2006/relationships" xmlns:p="http://schemas.openxmlformats.org/presentationml/2006/main">
+  <p:cSld>
+    <p:spTree>
+      <p:nvGrpSpPr>
+        <p:cNvPr id="1" name=""/>
+        <p:cNvGrpSpPr/>
+        <p:nvPr/>
+      </p:nvGrpSpPr>
+      <p:grpSpPr>
+        <a:xfrm>
+          <a:off x="0" y="0"/>
+          <a:ext cx="0" cy="0"/>
+          <a:chOff x="0" y="0"/>
+          <a:chExt cx="0" cy="0"/>
+        </a:xfrm>
+      </p:grpSpPr>
+      <p:sp>
+        <p:nvSpPr>
+          <p:cNvPr id="38" name="Rechteck 37">
+            <a:extLst>
+              <a:ext uri="{FF2B5EF4-FFF2-40B4-BE49-F238E27FC236}">
+                <a16:creationId xmlns:a16="http://schemas.microsoft.com/office/drawing/2014/main" id="{09802329-968A-8841-BF01-8FBD052C0C45}"/>
+              </a:ext>
+            </a:extLst>
+          </p:cNvPr>
+          <p:cNvSpPr/>
+          <p:nvPr/>
+        </p:nvSpPr>
+        <p:spPr>
+          <a:xfrm>
+            <a:off x="0" y="0"/>
+            <a:ext cx="12192000" cy="3429000"/>
+          </a:xfrm>
+          <a:prstGeom prst="rect">
+            <a:avLst/>
+          </a:prstGeom>
+          <a:solidFill>
+            <a:schemeClr val="accent3">
+              <a:lumMod val="20000"/>
+              <a:lumOff val="80000"/>
+            </a:schemeClr>
+          </a:solidFill>
+          <a:ln>
+            <a:noFill/>
+          </a:ln>
+        </p:spPr>
+        <p:style>
+          <a:lnRef idx="2">
+            <a:schemeClr val="accent1">
+              <a:shade val="50000"/>
+            </a:schemeClr>
+          </a:lnRef>
+          <a:fillRef idx="1">
+            <a:schemeClr val="accent1"/>
+          </a:fillRef>
+          <a:effectRef idx="0">
+            <a:schemeClr val="accent1"/>
+          </a:effectRef>
+          <a:fontRef idx="minor">
+            <a:schemeClr val="lt1"/>
+          </a:fontRef>
+        </p:style>
+        <p:txBody>
+          <a:bodyPr rtlCol="0" anchor="ctr"/>
+          <a:lstStyle/>
+          <a:p>
+            <a:pPr algn="ctr"/>
+            <a:endParaRPr lang="de-DE"/>
+          </a:p>
+        </p:txBody>
+      </p:sp>
+      <p:sp>
+        <p:nvSpPr>
+          <p:cNvPr id="6" name="Rechteck 5">
+            <a:extLst>
+              <a:ext uri="{FF2B5EF4-FFF2-40B4-BE49-F238E27FC236}">
+                <a16:creationId xmlns:a16="http://schemas.microsoft.com/office/drawing/2014/main" id="{0E3A7986-A5A8-374E-B17A-A892EB8217EB}"/>
+              </a:ext>
+            </a:extLst>
+          </p:cNvPr>
+          <p:cNvSpPr/>
+          <p:nvPr/>
+        </p:nvSpPr>
+        <p:spPr>
+          <a:xfrm>
+            <a:off x="4162269" y="939741"/>
+            <a:ext cx="3867463" cy="1593062"/>
+          </a:xfrm>
+          <a:prstGeom prst="rect">
+            <a:avLst/>
+          </a:prstGeom>
+          <a:solidFill>
+            <a:schemeClr val="accent4">
+              <a:lumMod val="40000"/>
+              <a:lumOff val="60000"/>
+            </a:schemeClr>
+          </a:solidFill>
+          <a:ln>
+            <a:solidFill>
+              <a:schemeClr val="tx1"/>
+            </a:solidFill>
+          </a:ln>
+        </p:spPr>
+        <p:style>
+          <a:lnRef idx="2">
+            <a:schemeClr val="accent1">
+              <a:shade val="50000"/>
+            </a:schemeClr>
+          </a:lnRef>
+          <a:fillRef idx="1">
+            <a:schemeClr val="accent1"/>
+          </a:fillRef>
+          <a:effectRef idx="0">
+            <a:schemeClr val="accent1"/>
+          </a:effectRef>
+          <a:fontRef idx="minor">
+            <a:schemeClr val="lt1"/>
+          </a:fontRef>
+        </p:style>
+        <p:txBody>
+          <a:bodyPr rtlCol="0" anchor="ctr"/>
+          <a:lstStyle/>
+          <a:p>
+            <a:pPr algn="ctr"/>
+            <a:r>
+              <a:rPr lang="de-DE" sz="3200" dirty="0" err="1">
+                <a:solidFill>
+                  <a:schemeClr val="tx1"/>
+                </a:solidFill>
+              </a:rPr>
+              <a:t>Collider</a:t>
+            </a:r>
+            <a:endParaRPr lang="de-DE" sz="3200" dirty="0">
+              <a:solidFill>
+                <a:schemeClr val="tx1"/>
+              </a:solidFill>
+            </a:endParaRPr>
+          </a:p>
+        </p:txBody>
+      </p:sp>
+      <p:sp>
+        <p:nvSpPr>
+          <p:cNvPr id="36" name="Textfeld 35">
+            <a:extLst>
+              <a:ext uri="{FF2B5EF4-FFF2-40B4-BE49-F238E27FC236}">
+                <a16:creationId xmlns:a16="http://schemas.microsoft.com/office/drawing/2014/main" id="{AF6C2230-DEC3-CD4F-B4FA-3F257BF73D4E}"/>
+              </a:ext>
+            </a:extLst>
+          </p:cNvPr>
+          <p:cNvSpPr txBox="1"/>
+          <p:nvPr/>
+        </p:nvSpPr>
+        <p:spPr>
+          <a:xfrm>
+            <a:off x="4481015" y="5564316"/>
+            <a:ext cx="3229987" cy="1015663"/>
+          </a:xfrm>
+          <a:prstGeom prst="rect">
+            <a:avLst/>
+          </a:prstGeom>
+          <a:noFill/>
+        </p:spPr>
+        <p:txBody>
+          <a:bodyPr wrap="none" rtlCol="0">
+            <a:spAutoFit/>
+          </a:bodyPr>
+          <a:lstStyle/>
+          <a:p>
+            <a:pPr algn="ctr"/>
+            <a:r>
+              <a:rPr lang="de-DE" sz="2000" dirty="0"/>
+              <a:t>Scheinbare Korrelation</a:t>
+            </a:r>
+          </a:p>
+          <a:p>
+            <a:pPr algn="ctr"/>
+            <a:r>
+              <a:rPr lang="de-DE" sz="2000" dirty="0"/>
+              <a:t>(verursacht durch fälschliche </a:t>
+            </a:r>
+          </a:p>
+          <a:p>
+            <a:pPr algn="ctr"/>
+            <a:r>
+              <a:rPr lang="de-DE" sz="2000" dirty="0"/>
+              <a:t>Kontrolle für </a:t>
+            </a:r>
+            <a:r>
+              <a:rPr lang="de-DE" sz="2000" dirty="0" err="1"/>
+              <a:t>Collider</a:t>
+            </a:r>
+            <a:r>
+              <a:rPr lang="de-DE" sz="2000" dirty="0"/>
+              <a:t>)</a:t>
+            </a:r>
+          </a:p>
+        </p:txBody>
+      </p:sp>
+      <p:cxnSp>
+        <p:nvCxnSpPr>
+          <p:cNvPr id="12" name="Gerade Verbindung mit Pfeil 11">
+            <a:extLst>
+              <a:ext uri="{FF2B5EF4-FFF2-40B4-BE49-F238E27FC236}">
+                <a16:creationId xmlns:a16="http://schemas.microsoft.com/office/drawing/2014/main" id="{99892505-194E-0145-A88B-4EFCC0E8F534}"/>
+              </a:ext>
+            </a:extLst>
+          </p:cNvPr>
+          <p:cNvCxnSpPr>
+            <a:stCxn id="4" idx="3"/>
+            <a:endCxn id="5" idx="1"/>
+          </p:cNvCxnSpPr>
+          <p:nvPr/>
+        </p:nvCxnSpPr>
+        <p:spPr>
+          <a:xfrm>
+            <a:off x="4162268" y="5121729"/>
+            <a:ext cx="3867464" cy="0"/>
+          </a:xfrm>
+          <a:prstGeom prst="straightConnector1">
+            <a:avLst/>
+          </a:prstGeom>
+          <a:ln w="101600">
+            <a:solidFill>
+              <a:schemeClr val="tx1"/>
+            </a:solidFill>
+            <a:prstDash val="sysDot"/>
+            <a:headEnd type="triangle"/>
+            <a:tailEnd type="triangle"/>
+          </a:ln>
+        </p:spPr>
+        <p:style>
+          <a:lnRef idx="1">
+            <a:schemeClr val="accent1"/>
+          </a:lnRef>
+          <a:fillRef idx="0">
+            <a:schemeClr val="accent1"/>
+          </a:fillRef>
+          <a:effectRef idx="0">
+            <a:schemeClr val="accent1"/>
+          </a:effectRef>
+          <a:fontRef idx="minor">
+            <a:schemeClr val="tx1"/>
+          </a:fontRef>
+        </p:style>
+      </p:cxnSp>
+      <p:cxnSp>
+        <p:nvCxnSpPr>
+          <p:cNvPr id="16" name="Gerade Verbindung mit Pfeil 15">
+            <a:extLst>
+              <a:ext uri="{FF2B5EF4-FFF2-40B4-BE49-F238E27FC236}">
+                <a16:creationId xmlns:a16="http://schemas.microsoft.com/office/drawing/2014/main" id="{933C6FB0-A3ED-A144-A670-C71E150CBF72}"/>
+              </a:ext>
+            </a:extLst>
+          </p:cNvPr>
+          <p:cNvCxnSpPr>
+            <a:cxnSpLocks/>
+            <a:stCxn id="4" idx="0"/>
+          </p:cNvCxnSpPr>
+          <p:nvPr/>
+        </p:nvCxnSpPr>
+        <p:spPr>
+          <a:xfrm flipV="1">
+            <a:off x="2228537" y="2532802"/>
+            <a:ext cx="1933731" cy="1792396"/>
+          </a:xfrm>
+          <a:prstGeom prst="straightConnector1">
+            <a:avLst/>
+          </a:prstGeom>
+          <a:ln w="101600" cap="rnd">
+            <a:solidFill>
+              <a:srgbClr val="C00000"/>
+            </a:solidFill>
+            <a:tailEnd type="triangle"/>
+          </a:ln>
+        </p:spPr>
+        <p:style>
+          <a:lnRef idx="1">
+            <a:schemeClr val="accent1"/>
+          </a:lnRef>
+          <a:fillRef idx="0">
+            <a:schemeClr val="accent1"/>
+          </a:fillRef>
+          <a:effectRef idx="0">
+            <a:schemeClr val="accent1"/>
+          </a:effectRef>
+          <a:fontRef idx="minor">
+            <a:schemeClr val="tx1"/>
+          </a:fontRef>
+        </p:style>
+      </p:cxnSp>
+      <p:cxnSp>
+        <p:nvCxnSpPr>
+          <p:cNvPr id="18" name="Gerade Verbindung mit Pfeil 17">
+            <a:extLst>
+              <a:ext uri="{FF2B5EF4-FFF2-40B4-BE49-F238E27FC236}">
+                <a16:creationId xmlns:a16="http://schemas.microsoft.com/office/drawing/2014/main" id="{8ECFE88C-6854-A841-9614-42A06C015748}"/>
+              </a:ext>
+            </a:extLst>
+          </p:cNvPr>
+          <p:cNvCxnSpPr>
+            <a:cxnSpLocks/>
+            <a:stCxn id="5" idx="0"/>
+          </p:cNvCxnSpPr>
+          <p:nvPr/>
+        </p:nvCxnSpPr>
+        <p:spPr>
+          <a:xfrm flipH="1" flipV="1">
+            <a:off x="8029732" y="2532802"/>
+            <a:ext cx="1933732" cy="1792396"/>
+          </a:xfrm>
+          <a:prstGeom prst="straightConnector1">
+            <a:avLst/>
+          </a:prstGeom>
+          <a:ln w="101600" cap="rnd">
+            <a:solidFill>
+              <a:srgbClr val="C00000"/>
+            </a:solidFill>
+            <a:tailEnd type="triangle"/>
+          </a:ln>
+        </p:spPr>
+        <p:style>
+          <a:lnRef idx="1">
+            <a:schemeClr val="accent1"/>
+          </a:lnRef>
+          <a:fillRef idx="0">
+            <a:schemeClr val="accent1"/>
+          </a:fillRef>
+          <a:effectRef idx="0">
+            <a:schemeClr val="accent1"/>
+          </a:effectRef>
+          <a:fontRef idx="minor">
+            <a:schemeClr val="tx1"/>
+          </a:fontRef>
+        </p:style>
+      </p:cxnSp>
+      <p:sp>
+        <p:nvSpPr>
+          <p:cNvPr id="4" name="Rechteck 3">
+            <a:extLst>
+              <a:ext uri="{FF2B5EF4-FFF2-40B4-BE49-F238E27FC236}">
+                <a16:creationId xmlns:a16="http://schemas.microsoft.com/office/drawing/2014/main" id="{3A3DE8DE-C1DC-E44A-9FBA-07509BC25656}"/>
+              </a:ext>
+            </a:extLst>
+          </p:cNvPr>
+          <p:cNvSpPr/>
+          <p:nvPr/>
+        </p:nvSpPr>
+        <p:spPr>
+          <a:xfrm>
+            <a:off x="294805" y="4325198"/>
+            <a:ext cx="3867463" cy="1593062"/>
+          </a:xfrm>
+          <a:prstGeom prst="rect">
+            <a:avLst/>
+          </a:prstGeom>
+        </p:spPr>
+        <p:style>
+          <a:lnRef idx="2">
+            <a:schemeClr val="accent1">
+              <a:shade val="50000"/>
+            </a:schemeClr>
+          </a:lnRef>
+          <a:fillRef idx="1">
+            <a:schemeClr val="accent1"/>
+          </a:fillRef>
+          <a:effectRef idx="0">
+            <a:schemeClr val="accent1"/>
+          </a:effectRef>
+          <a:fontRef idx="minor">
+            <a:schemeClr val="lt1"/>
+          </a:fontRef>
+        </p:style>
+        <p:txBody>
+          <a:bodyPr rtlCol="0" anchor="ctr"/>
+          <a:lstStyle/>
+          <a:p>
+            <a:pPr algn="ctr"/>
+            <a:r>
+              <a:rPr lang="de-DE" sz="3200" dirty="0"/>
+              <a:t>unabhängige Variable</a:t>
+            </a:r>
+          </a:p>
+        </p:txBody>
+      </p:sp>
+      <p:sp>
+        <p:nvSpPr>
+          <p:cNvPr id="5" name="Rechteck 4">
+            <a:extLst>
+              <a:ext uri="{FF2B5EF4-FFF2-40B4-BE49-F238E27FC236}">
+                <a16:creationId xmlns:a16="http://schemas.microsoft.com/office/drawing/2014/main" id="{CC3162DF-6A27-0948-8F9E-CF74E1559221}"/>
+              </a:ext>
+            </a:extLst>
+          </p:cNvPr>
+          <p:cNvSpPr/>
+          <p:nvPr/>
+        </p:nvSpPr>
+        <p:spPr>
+          <a:xfrm>
+            <a:off x="8029732" y="4325198"/>
+            <a:ext cx="3867463" cy="1593062"/>
+          </a:xfrm>
+          <a:prstGeom prst="rect">
+            <a:avLst/>
+          </a:prstGeom>
+        </p:spPr>
+        <p:style>
+          <a:lnRef idx="2">
+            <a:schemeClr val="accent1">
+              <a:shade val="50000"/>
+            </a:schemeClr>
+          </a:lnRef>
+          <a:fillRef idx="1">
+            <a:schemeClr val="accent1"/>
+          </a:fillRef>
+          <a:effectRef idx="0">
+            <a:schemeClr val="accent1"/>
+          </a:effectRef>
+          <a:fontRef idx="minor">
+            <a:schemeClr val="lt1"/>
+          </a:fontRef>
+        </p:style>
+        <p:txBody>
+          <a:bodyPr rtlCol="0" anchor="ctr"/>
+          <a:lstStyle/>
+          <a:p>
+            <a:pPr algn="ctr"/>
+            <a:r>
+              <a:rPr lang="de-DE" sz="3200" dirty="0"/>
+              <a:t>abhängige Variable</a:t>
+            </a:r>
+          </a:p>
+        </p:txBody>
+      </p:sp>
+      <p:sp>
+        <p:nvSpPr>
+          <p:cNvPr id="27" name="Textfeld 26">
+            <a:extLst>
+              <a:ext uri="{FF2B5EF4-FFF2-40B4-BE49-F238E27FC236}">
+                <a16:creationId xmlns:a16="http://schemas.microsoft.com/office/drawing/2014/main" id="{6929E2B1-5D77-E74A-80B1-7818E079479A}"/>
+              </a:ext>
+            </a:extLst>
+          </p:cNvPr>
+          <p:cNvSpPr txBox="1"/>
+          <p:nvPr/>
+        </p:nvSpPr>
+        <p:spPr>
+          <a:xfrm>
+            <a:off x="1731601" y="2556015"/>
+            <a:ext cx="1690399" cy="707886"/>
+          </a:xfrm>
+          <a:prstGeom prst="rect">
+            <a:avLst/>
+          </a:prstGeom>
+          <a:noFill/>
+        </p:spPr>
+        <p:txBody>
+          <a:bodyPr wrap="none" rtlCol="0">
+            <a:spAutoFit/>
+          </a:bodyPr>
+          <a:lstStyle/>
+          <a:p>
+            <a:r>
+              <a:rPr lang="de-DE" sz="2000" dirty="0"/>
+              <a:t>Übersehene</a:t>
+            </a:r>
+          </a:p>
+          <a:p>
+            <a:r>
+              <a:rPr lang="de-DE" sz="2000" dirty="0"/>
+              <a:t>Kausalwirkung</a:t>
+            </a:r>
+          </a:p>
+        </p:txBody>
+      </p:sp>
+      <p:sp>
+        <p:nvSpPr>
+          <p:cNvPr id="28" name="Textfeld 27">
+            <a:extLst>
+              <a:ext uri="{FF2B5EF4-FFF2-40B4-BE49-F238E27FC236}">
+                <a16:creationId xmlns:a16="http://schemas.microsoft.com/office/drawing/2014/main" id="{05F07BB5-0573-ED46-8915-57C34BE9318B}"/>
+              </a:ext>
+            </a:extLst>
+          </p:cNvPr>
+          <p:cNvSpPr txBox="1"/>
+          <p:nvPr/>
+        </p:nvSpPr>
+        <p:spPr>
+          <a:xfrm>
+            <a:off x="8948377" y="2556015"/>
+            <a:ext cx="1690399" cy="707886"/>
+          </a:xfrm>
+          <a:prstGeom prst="rect">
+            <a:avLst/>
+          </a:prstGeom>
+          <a:noFill/>
+        </p:spPr>
+        <p:txBody>
+          <a:bodyPr wrap="none" rtlCol="0">
+            <a:spAutoFit/>
+          </a:bodyPr>
+          <a:lstStyle/>
+          <a:p>
+            <a:r>
+              <a:rPr lang="de-DE" sz="2000" dirty="0"/>
+              <a:t>Übersehene</a:t>
+            </a:r>
+          </a:p>
+          <a:p>
+            <a:r>
+              <a:rPr lang="de-DE" sz="2000" dirty="0"/>
+              <a:t>Kausalwirkung</a:t>
+            </a:r>
+          </a:p>
+        </p:txBody>
+      </p:sp>
+      <p:sp>
+        <p:nvSpPr>
+          <p:cNvPr id="29" name="Textfeld 28">
+            <a:extLst>
+              <a:ext uri="{FF2B5EF4-FFF2-40B4-BE49-F238E27FC236}">
+                <a16:creationId xmlns:a16="http://schemas.microsoft.com/office/drawing/2014/main" id="{500744A8-3F8F-4F45-AD5A-724A430B9CF8}"/>
+              </a:ext>
+            </a:extLst>
+          </p:cNvPr>
+          <p:cNvSpPr txBox="1"/>
+          <p:nvPr/>
+        </p:nvSpPr>
+        <p:spPr>
+          <a:xfrm>
+            <a:off x="267177" y="293409"/>
+            <a:ext cx="2502993" cy="646331"/>
+          </a:xfrm>
+          <a:prstGeom prst="rect">
+            <a:avLst/>
+          </a:prstGeom>
+          <a:noFill/>
+        </p:spPr>
+        <p:txBody>
+          <a:bodyPr wrap="none" rtlCol="0">
+            <a:spAutoFit/>
+          </a:bodyPr>
+          <a:lstStyle/>
+          <a:p>
+            <a:r>
+              <a:rPr lang="de-DE" sz="3600" i="1" dirty="0" err="1"/>
+              <a:t>Collider</a:t>
+            </a:r>
+            <a:r>
+              <a:rPr lang="de-DE" sz="3600" i="1" dirty="0"/>
+              <a:t>-Bias</a:t>
+            </a:r>
+          </a:p>
+        </p:txBody>
+      </p:sp>
+    </p:spTree>
+    <p:extLst>
+      <p:ext uri="{BB962C8B-B14F-4D97-AF65-F5344CB8AC3E}">
+        <p14:creationId xmlns:p14="http://schemas.microsoft.com/office/powerpoint/2010/main" val="2126584180"/>
+      </p:ext>
+    </p:extLst>
+  </p:cSld>
+  <p:clrMapOvr>
+    <a:masterClrMapping/>
+  </p:clrMapOvr>
+</p:sld>
+</file>
+
+<file path=ppt/slides/slide4.xml><?xml version="1.0" encoding="utf-8"?>
+<p:sld xmlns:a="http://schemas.openxmlformats.org/drawingml/2006/main" xmlns:r="http://schemas.openxmlformats.org/officeDocument/2006/relationships" xmlns:p="http://schemas.openxmlformats.org/presentationml/2006/main">
+  <p:cSld>
+    <p:spTree>
+      <p:nvGrpSpPr>
+        <p:cNvPr id="1" name=""/>
+        <p:cNvGrpSpPr/>
+        <p:nvPr/>
+      </p:nvGrpSpPr>
+      <p:grpSpPr>
+        <a:xfrm>
+          <a:off x="0" y="0"/>
+          <a:ext cx="0" cy="0"/>
+          <a:chOff x="0" y="0"/>
+          <a:chExt cx="0" cy="0"/>
+        </a:xfrm>
+      </p:grpSpPr>
+      <p:sp>
+        <p:nvSpPr>
+          <p:cNvPr id="16" name="Rechteck 15">
+            <a:extLst>
+              <a:ext uri="{FF2B5EF4-FFF2-40B4-BE49-F238E27FC236}">
+                <a16:creationId xmlns:a16="http://schemas.microsoft.com/office/drawing/2014/main" id="{2A6E1BCC-47D0-BB48-94FD-E37A59B4492D}"/>
+              </a:ext>
+            </a:extLst>
+          </p:cNvPr>
+          <p:cNvSpPr/>
+          <p:nvPr/>
+        </p:nvSpPr>
+        <p:spPr>
+          <a:xfrm>
+            <a:off x="0" y="0"/>
+            <a:ext cx="12192000" cy="3429000"/>
+          </a:xfrm>
+          <a:prstGeom prst="rect">
+            <a:avLst/>
+          </a:prstGeom>
+          <a:solidFill>
+            <a:schemeClr val="accent3">
+              <a:lumMod val="20000"/>
+              <a:lumOff val="80000"/>
+            </a:schemeClr>
+          </a:solidFill>
+          <a:ln>
+            <a:noFill/>
+          </a:ln>
+        </p:spPr>
+        <p:style>
+          <a:lnRef idx="2">
+            <a:schemeClr val="accent1">
+              <a:shade val="50000"/>
+            </a:schemeClr>
+          </a:lnRef>
+          <a:fillRef idx="1">
+            <a:schemeClr val="accent1"/>
+          </a:fillRef>
+          <a:effectRef idx="0">
+            <a:schemeClr val="accent1"/>
+          </a:effectRef>
+          <a:fontRef idx="minor">
+            <a:schemeClr val="lt1"/>
+          </a:fontRef>
+        </p:style>
+        <p:txBody>
+          <a:bodyPr rtlCol="0" anchor="ctr"/>
+          <a:lstStyle/>
+          <a:p>
+            <a:pPr algn="ctr"/>
+            <a:endParaRPr lang="de-DE"/>
+          </a:p>
+        </p:txBody>
+      </p:sp>
+      <p:sp>
+        <p:nvSpPr>
+          <p:cNvPr id="4" name="Rechteck 3">
+            <a:extLst>
+              <a:ext uri="{FF2B5EF4-FFF2-40B4-BE49-F238E27FC236}">
+                <a16:creationId xmlns:a16="http://schemas.microsoft.com/office/drawing/2014/main" id="{3A3DE8DE-C1DC-E44A-9FBA-07509BC25656}"/>
+              </a:ext>
+            </a:extLst>
+          </p:cNvPr>
+          <p:cNvSpPr/>
+          <p:nvPr/>
+        </p:nvSpPr>
+        <p:spPr>
+          <a:xfrm>
+            <a:off x="294805" y="4325198"/>
+            <a:ext cx="3867463" cy="1593062"/>
+          </a:xfrm>
+          <a:prstGeom prst="rect">
+            <a:avLst/>
+          </a:prstGeom>
+        </p:spPr>
+        <p:style>
+          <a:lnRef idx="2">
+            <a:schemeClr val="accent1">
+              <a:shade val="50000"/>
+            </a:schemeClr>
+          </a:lnRef>
+          <a:fillRef idx="1">
+            <a:schemeClr val="accent1"/>
+          </a:fillRef>
+          <a:effectRef idx="0">
+            <a:schemeClr val="accent1"/>
+          </a:effectRef>
+          <a:fontRef idx="minor">
+            <a:schemeClr val="lt1"/>
+          </a:fontRef>
+        </p:style>
+        <p:txBody>
+          <a:bodyPr rtlCol="0" anchor="ctr"/>
+          <a:lstStyle/>
+          <a:p>
+            <a:pPr algn="ctr"/>
+            <a:r>
+              <a:rPr lang="de-DE" sz="3200" dirty="0"/>
+              <a:t>unabhängige Variable</a:t>
+            </a:r>
+          </a:p>
+        </p:txBody>
+      </p:sp>
+      <p:sp>
+        <p:nvSpPr>
+          <p:cNvPr id="5" name="Rechteck 4">
+            <a:extLst>
+              <a:ext uri="{FF2B5EF4-FFF2-40B4-BE49-F238E27FC236}">
+                <a16:creationId xmlns:a16="http://schemas.microsoft.com/office/drawing/2014/main" id="{CC3162DF-6A27-0948-8F9E-CF74E1559221}"/>
+              </a:ext>
+            </a:extLst>
+          </p:cNvPr>
+          <p:cNvSpPr/>
+          <p:nvPr/>
+        </p:nvSpPr>
+        <p:spPr>
+          <a:xfrm>
+            <a:off x="8029732" y="4325198"/>
+            <a:ext cx="3867463" cy="1593062"/>
+          </a:xfrm>
+          <a:prstGeom prst="rect">
+            <a:avLst/>
+          </a:prstGeom>
+        </p:spPr>
+        <p:style>
+          <a:lnRef idx="2">
+            <a:schemeClr val="accent1">
+              <a:shade val="50000"/>
+            </a:schemeClr>
+          </a:lnRef>
+          <a:fillRef idx="1">
+            <a:schemeClr val="accent1"/>
+          </a:fillRef>
+          <a:effectRef idx="0">
+            <a:schemeClr val="accent1"/>
+          </a:effectRef>
+          <a:fontRef idx="minor">
+            <a:schemeClr val="lt1"/>
+          </a:fontRef>
+        </p:style>
+        <p:txBody>
+          <a:bodyPr rtlCol="0" anchor="ctr"/>
+          <a:lstStyle/>
+          <a:p>
+            <a:pPr algn="ctr"/>
+            <a:r>
+              <a:rPr lang="de-DE" sz="3200" dirty="0"/>
+              <a:t>abhängige Variable</a:t>
+            </a:r>
+          </a:p>
+        </p:txBody>
+      </p:sp>
+      <p:cxnSp>
+        <p:nvCxnSpPr>
+          <p:cNvPr id="15" name="Gerade Verbindung mit Pfeil 14">
+            <a:extLst>
+              <a:ext uri="{FF2B5EF4-FFF2-40B4-BE49-F238E27FC236}">
+                <a16:creationId xmlns:a16="http://schemas.microsoft.com/office/drawing/2014/main" id="{81DE97D8-EC69-474E-B991-B0695DF7B36D}"/>
+              </a:ext>
+            </a:extLst>
+          </p:cNvPr>
+          <p:cNvCxnSpPr>
+            <a:cxnSpLocks/>
+          </p:cNvCxnSpPr>
+          <p:nvPr/>
+        </p:nvCxnSpPr>
+        <p:spPr>
+          <a:xfrm>
+            <a:off x="6095999" y="2532803"/>
+            <a:ext cx="0" cy="2588926"/>
+          </a:xfrm>
+          <a:prstGeom prst="straightConnector1">
+            <a:avLst/>
+          </a:prstGeom>
+          <a:ln w="101600" cap="rnd">
+            <a:solidFill>
+              <a:schemeClr val="accent2"/>
+            </a:solidFill>
+            <a:tailEnd type="triangle"/>
+          </a:ln>
+        </p:spPr>
+        <p:style>
+          <a:lnRef idx="1">
+            <a:schemeClr val="accent1"/>
+          </a:lnRef>
+          <a:fillRef idx="0">
+            <a:schemeClr val="accent1"/>
+          </a:fillRef>
+          <a:effectRef idx="0">
+            <a:schemeClr val="accent1"/>
+          </a:effectRef>
+          <a:fontRef idx="minor">
+            <a:schemeClr val="tx1"/>
+          </a:fontRef>
+        </p:style>
+      </p:cxnSp>
+      <p:sp>
+        <p:nvSpPr>
+          <p:cNvPr id="6" name="Rechteck 5">
+            <a:extLst>
+              <a:ext uri="{FF2B5EF4-FFF2-40B4-BE49-F238E27FC236}">
+                <a16:creationId xmlns:a16="http://schemas.microsoft.com/office/drawing/2014/main" id="{0E3A7986-A5A8-374E-B17A-A892EB8217EB}"/>
+              </a:ext>
+            </a:extLst>
+          </p:cNvPr>
+          <p:cNvSpPr/>
+          <p:nvPr/>
+        </p:nvSpPr>
+        <p:spPr>
+          <a:xfrm>
+            <a:off x="4162269" y="939741"/>
+            <a:ext cx="3867463" cy="1593062"/>
+          </a:xfrm>
+          <a:prstGeom prst="rect">
+            <a:avLst/>
+          </a:prstGeom>
+          <a:solidFill>
+            <a:schemeClr val="accent6">
+              <a:lumMod val="40000"/>
+              <a:lumOff val="60000"/>
+            </a:schemeClr>
+          </a:solidFill>
+          <a:ln>
+            <a:solidFill>
+              <a:schemeClr val="tx1"/>
+            </a:solidFill>
+          </a:ln>
+        </p:spPr>
+        <p:style>
+          <a:lnRef idx="2">
+            <a:schemeClr val="accent1">
+              <a:shade val="50000"/>
+            </a:schemeClr>
+          </a:lnRef>
+          <a:fillRef idx="1">
+            <a:schemeClr val="accent1"/>
+          </a:fillRef>
+          <a:effectRef idx="0">
+            <a:schemeClr val="accent1"/>
+          </a:effectRef>
+          <a:fontRef idx="minor">
+            <a:schemeClr val="lt1"/>
+          </a:fontRef>
+        </p:style>
+        <p:txBody>
+          <a:bodyPr rtlCol="0" anchor="ctr"/>
+          <a:lstStyle/>
+          <a:p>
+            <a:pPr algn="ctr"/>
+            <a:r>
+              <a:rPr lang="de-DE" sz="3200" dirty="0">
+                <a:solidFill>
+                  <a:schemeClr val="tx1"/>
+                </a:solidFill>
+              </a:rPr>
+              <a:t>Moderator</a:t>
+            </a:r>
+          </a:p>
+        </p:txBody>
+      </p:sp>
+      <p:cxnSp>
+        <p:nvCxnSpPr>
+          <p:cNvPr id="32" name="Gerade Verbindung mit Pfeil 31">
+            <a:extLst>
+              <a:ext uri="{FF2B5EF4-FFF2-40B4-BE49-F238E27FC236}">
+                <a16:creationId xmlns:a16="http://schemas.microsoft.com/office/drawing/2014/main" id="{172142C5-5BC2-4B4B-839D-1F6EE113B0F7}"/>
+              </a:ext>
+            </a:extLst>
+          </p:cNvPr>
+          <p:cNvCxnSpPr>
+            <a:cxnSpLocks/>
+            <a:stCxn id="4" idx="3"/>
+            <a:endCxn id="5" idx="1"/>
+          </p:cNvCxnSpPr>
+          <p:nvPr/>
+        </p:nvCxnSpPr>
+        <p:spPr>
+          <a:xfrm>
+            <a:off x="4162268" y="5121729"/>
+            <a:ext cx="3867464" cy="0"/>
+          </a:xfrm>
+          <a:prstGeom prst="straightConnector1">
+            <a:avLst/>
+          </a:prstGeom>
+          <a:ln w="101600">
+            <a:solidFill>
+              <a:schemeClr val="tx1"/>
+            </a:solidFill>
+            <a:prstDash val="solid"/>
+            <a:tailEnd type="triangle"/>
+          </a:ln>
+        </p:spPr>
+        <p:style>
+          <a:lnRef idx="1">
+            <a:schemeClr val="accent1"/>
+          </a:lnRef>
+          <a:fillRef idx="0">
+            <a:schemeClr val="accent1"/>
+          </a:fillRef>
+          <a:effectRef idx="0">
+            <a:schemeClr val="accent1"/>
+          </a:effectRef>
+          <a:fontRef idx="minor">
+            <a:schemeClr val="tx1"/>
+          </a:fontRef>
+        </p:style>
+      </p:cxnSp>
+      <p:sp>
+        <p:nvSpPr>
+          <p:cNvPr id="36" name="Textfeld 35">
+            <a:extLst>
+              <a:ext uri="{FF2B5EF4-FFF2-40B4-BE49-F238E27FC236}">
+                <a16:creationId xmlns:a16="http://schemas.microsoft.com/office/drawing/2014/main" id="{AF6C2230-DEC3-CD4F-B4FA-3F257BF73D4E}"/>
+              </a:ext>
+            </a:extLst>
+          </p:cNvPr>
+          <p:cNvSpPr txBox="1"/>
+          <p:nvPr/>
+        </p:nvSpPr>
+        <p:spPr>
+          <a:xfrm>
+            <a:off x="5250805" y="5259209"/>
+            <a:ext cx="1690399" cy="400110"/>
+          </a:xfrm>
+          <a:prstGeom prst="rect">
+            <a:avLst/>
+          </a:prstGeom>
+          <a:noFill/>
+        </p:spPr>
+        <p:txBody>
+          <a:bodyPr wrap="none" rtlCol="0">
+            <a:spAutoFit/>
+          </a:bodyPr>
+          <a:lstStyle/>
+          <a:p>
+            <a:pPr algn="ctr"/>
+            <a:r>
+              <a:rPr lang="de-DE" sz="2000" dirty="0"/>
+              <a:t>Kausalwirkung</a:t>
+            </a:r>
+          </a:p>
+        </p:txBody>
+      </p:sp>
+      <p:sp>
+        <p:nvSpPr>
+          <p:cNvPr id="37" name="Textfeld 36">
+            <a:extLst>
+              <a:ext uri="{FF2B5EF4-FFF2-40B4-BE49-F238E27FC236}">
+                <a16:creationId xmlns:a16="http://schemas.microsoft.com/office/drawing/2014/main" id="{192B614D-26E4-9543-884C-7830A25DDBED}"/>
+              </a:ext>
+            </a:extLst>
+          </p:cNvPr>
+          <p:cNvSpPr txBox="1"/>
+          <p:nvPr/>
+        </p:nvSpPr>
+        <p:spPr>
+          <a:xfrm>
+            <a:off x="6248643" y="2897575"/>
+            <a:ext cx="2648867" cy="400110"/>
+          </a:xfrm>
+          <a:prstGeom prst="rect">
+            <a:avLst/>
+          </a:prstGeom>
+          <a:noFill/>
+        </p:spPr>
+        <p:txBody>
+          <a:bodyPr wrap="none" rtlCol="0">
+            <a:spAutoFit/>
+          </a:bodyPr>
+          <a:lstStyle/>
+          <a:p>
+            <a:r>
+              <a:rPr lang="de-DE" sz="2000" dirty="0"/>
+              <a:t>Beeinflusst die Wirkung</a:t>
+            </a:r>
+          </a:p>
+        </p:txBody>
+      </p:sp>
+      <p:sp>
+        <p:nvSpPr>
+          <p:cNvPr id="17" name="Textfeld 16">
+            <a:extLst>
+              <a:ext uri="{FF2B5EF4-FFF2-40B4-BE49-F238E27FC236}">
+                <a16:creationId xmlns:a16="http://schemas.microsoft.com/office/drawing/2014/main" id="{8C6F7B61-8D01-0C40-B9DB-7CF1A4D59114}"/>
+              </a:ext>
+            </a:extLst>
+          </p:cNvPr>
+          <p:cNvSpPr txBox="1"/>
+          <p:nvPr/>
+        </p:nvSpPr>
+        <p:spPr>
+          <a:xfrm>
+            <a:off x="267177" y="293409"/>
+            <a:ext cx="2404826" cy="646331"/>
+          </a:xfrm>
+          <a:prstGeom prst="rect">
+            <a:avLst/>
+          </a:prstGeom>
+          <a:noFill/>
+        </p:spPr>
+        <p:txBody>
+          <a:bodyPr wrap="none" rtlCol="0">
+            <a:spAutoFit/>
+          </a:bodyPr>
+          <a:lstStyle/>
+          <a:p>
+            <a:r>
+              <a:rPr lang="de-DE" sz="3600" i="1" dirty="0"/>
+              <a:t>Moderation</a:t>
+            </a:r>
+          </a:p>
+        </p:txBody>
+      </p:sp>
+    </p:spTree>
+    <p:extLst>
+      <p:ext uri="{BB962C8B-B14F-4D97-AF65-F5344CB8AC3E}">
+        <p14:creationId xmlns:p14="http://schemas.microsoft.com/office/powerpoint/2010/main" val="3925406438"/>
+      </p:ext>
+    </p:extLst>
+  </p:cSld>
+  <p:clrMapOvr>
+    <a:masterClrMapping/>
+  </p:clrMapOvr>
+</p:sld>
+</file>
+
+<file path=ppt/slides/slide5.xml><?xml version="1.0" encoding="utf-8"?>
 <p:sld xmlns:a="http://schemas.openxmlformats.org/drawingml/2006/main" xmlns:r="http://schemas.openxmlformats.org/officeDocument/2006/relationships" xmlns:p="http://schemas.openxmlformats.org/presentationml/2006/main">
   <p:cSld>
     <p:spTree>

--- a/docs/files/slides.pptx
+++ b/docs/files/slides.pptx
@@ -10,6 +10,10 @@
     <p:sldId id="259" r:id="rId4"/>
     <p:sldId id="258" r:id="rId5"/>
     <p:sldId id="257" r:id="rId6"/>
+    <p:sldId id="261" r:id="rId7"/>
+    <p:sldId id="262" r:id="rId8"/>
+    <p:sldId id="263" r:id="rId9"/>
+    <p:sldId id="265" r:id="rId10"/>
   </p:sldIdLst>
   <p:sldSz cx="12192000" cy="6858000"/>
   <p:notesSz cx="6858000" cy="9144000"/>
@@ -263,7 +267,7 @@
           <a:p>
             <a:fld id="{63270ED0-6F3F-4C4A-831B-D4C81EE65EA0}" type="datetimeFigureOut">
               <a:rPr lang="de-DE" smtClean="0"/>
-              <a:t>26.11.20</a:t>
+              <a:t>23.01.21</a:t>
             </a:fld>
             <a:endParaRPr lang="de-DE"/>
           </a:p>
@@ -461,7 +465,7 @@
           <a:p>
             <a:fld id="{63270ED0-6F3F-4C4A-831B-D4C81EE65EA0}" type="datetimeFigureOut">
               <a:rPr lang="de-DE" smtClean="0"/>
-              <a:t>26.11.20</a:t>
+              <a:t>23.01.21</a:t>
             </a:fld>
             <a:endParaRPr lang="de-DE"/>
           </a:p>
@@ -669,7 +673,7 @@
           <a:p>
             <a:fld id="{63270ED0-6F3F-4C4A-831B-D4C81EE65EA0}" type="datetimeFigureOut">
               <a:rPr lang="de-DE" smtClean="0"/>
-              <a:t>26.11.20</a:t>
+              <a:t>23.01.21</a:t>
             </a:fld>
             <a:endParaRPr lang="de-DE"/>
           </a:p>
@@ -867,7 +871,7 @@
           <a:p>
             <a:fld id="{63270ED0-6F3F-4C4A-831B-D4C81EE65EA0}" type="datetimeFigureOut">
               <a:rPr lang="de-DE" smtClean="0"/>
-              <a:t>26.11.20</a:t>
+              <a:t>23.01.21</a:t>
             </a:fld>
             <a:endParaRPr lang="de-DE"/>
           </a:p>
@@ -1142,7 +1146,7 @@
           <a:p>
             <a:fld id="{63270ED0-6F3F-4C4A-831B-D4C81EE65EA0}" type="datetimeFigureOut">
               <a:rPr lang="de-DE" smtClean="0"/>
-              <a:t>26.11.20</a:t>
+              <a:t>23.01.21</a:t>
             </a:fld>
             <a:endParaRPr lang="de-DE"/>
           </a:p>
@@ -1407,7 +1411,7 @@
           <a:p>
             <a:fld id="{63270ED0-6F3F-4C4A-831B-D4C81EE65EA0}" type="datetimeFigureOut">
               <a:rPr lang="de-DE" smtClean="0"/>
-              <a:t>26.11.20</a:t>
+              <a:t>23.01.21</a:t>
             </a:fld>
             <a:endParaRPr lang="de-DE"/>
           </a:p>
@@ -1819,7 +1823,7 @@
           <a:p>
             <a:fld id="{63270ED0-6F3F-4C4A-831B-D4C81EE65EA0}" type="datetimeFigureOut">
               <a:rPr lang="de-DE" smtClean="0"/>
-              <a:t>26.11.20</a:t>
+              <a:t>23.01.21</a:t>
             </a:fld>
             <a:endParaRPr lang="de-DE"/>
           </a:p>
@@ -1960,7 +1964,7 @@
           <a:p>
             <a:fld id="{63270ED0-6F3F-4C4A-831B-D4C81EE65EA0}" type="datetimeFigureOut">
               <a:rPr lang="de-DE" smtClean="0"/>
-              <a:t>26.11.20</a:t>
+              <a:t>23.01.21</a:t>
             </a:fld>
             <a:endParaRPr lang="de-DE"/>
           </a:p>
@@ -2073,7 +2077,7 @@
           <a:p>
             <a:fld id="{63270ED0-6F3F-4C4A-831B-D4C81EE65EA0}" type="datetimeFigureOut">
               <a:rPr lang="de-DE" smtClean="0"/>
-              <a:t>26.11.20</a:t>
+              <a:t>23.01.21</a:t>
             </a:fld>
             <a:endParaRPr lang="de-DE"/>
           </a:p>
@@ -2384,7 +2388,7 @@
           <a:p>
             <a:fld id="{63270ED0-6F3F-4C4A-831B-D4C81EE65EA0}" type="datetimeFigureOut">
               <a:rPr lang="de-DE" smtClean="0"/>
-              <a:t>26.11.20</a:t>
+              <a:t>23.01.21</a:t>
             </a:fld>
             <a:endParaRPr lang="de-DE"/>
           </a:p>
@@ -2672,7 +2676,7 @@
           <a:p>
             <a:fld id="{63270ED0-6F3F-4C4A-831B-D4C81EE65EA0}" type="datetimeFigureOut">
               <a:rPr lang="de-DE" smtClean="0"/>
-              <a:t>26.11.20</a:t>
+              <a:t>23.01.21</a:t>
             </a:fld>
             <a:endParaRPr lang="de-DE"/>
           </a:p>
@@ -2913,7 +2917,7 @@
           <a:p>
             <a:fld id="{63270ED0-6F3F-4C4A-831B-D4C81EE65EA0}" type="datetimeFigureOut">
               <a:rPr lang="de-DE" smtClean="0"/>
-              <a:t>26.11.20</a:t>
+              <a:t>23.01.21</a:t>
             </a:fld>
             <a:endParaRPr lang="de-DE"/>
           </a:p>
@@ -4261,8 +4265,8 @@
         </p:nvSpPr>
         <p:spPr>
           <a:xfrm>
-            <a:off x="4564141" y="5259209"/>
-            <a:ext cx="3063724" cy="707886"/>
+            <a:off x="4886156" y="5259209"/>
+            <a:ext cx="2419701" cy="892552"/>
           </a:xfrm>
           <a:prstGeom prst="rect">
             <a:avLst/>
@@ -4284,8 +4288,15 @@
           <a:p>
             <a:pPr algn="ctr"/>
             <a:r>
-              <a:rPr lang="de-DE" sz="2000" dirty="0"/>
-              <a:t>(vermittelt durch Mediator)</a:t>
+              <a:rPr lang="de-DE" sz="1600" dirty="0"/>
+              <a:t>(teilweise oder ganz </a:t>
+            </a:r>
+          </a:p>
+          <a:p>
+            <a:pPr algn="ctr"/>
+            <a:r>
+              <a:rPr lang="de-DE" sz="1600" dirty="0"/>
+              <a:t>vermittelt durch Mediator)</a:t>
             </a:r>
           </a:p>
         </p:txBody>
@@ -5532,8 +5543,8 @@
           <a:chExt cx="0" cy="0"/>
         </a:xfrm>
       </p:grpSpPr>
-      <mc:AlternateContent xmlns:mc="http://schemas.openxmlformats.org/markup-compatibility/2006">
-        <mc:Choice xmlns:a14="http://schemas.microsoft.com/office/drawing/2010/main" Requires="a14">
+      <mc:AlternateContent xmlns:mc="http://schemas.openxmlformats.org/markup-compatibility/2006" xmlns:a14="http://schemas.microsoft.com/office/drawing/2010/main">
+        <mc:Choice Requires="a14">
           <p:sp>
             <p:nvSpPr>
               <p:cNvPr id="2" name="Textfeld 1">
@@ -5565,6 +5576,7 @@
               </a:bodyPr>
               <a:lstStyle/>
               <a:p>
+                <a:pPr/>
                 <a14:m>
                   <m:oMathPara xmlns:m="http://schemas.openxmlformats.org/officeDocument/2006/math">
                     <m:oMathParaPr>
@@ -5914,7 +5926,7 @@
             </p:txBody>
           </p:sp>
         </mc:Choice>
-        <mc:Fallback>
+        <mc:Fallback xmlns="">
           <p:sp>
             <p:nvSpPr>
               <p:cNvPr id="2" name="Textfeld 1">
@@ -6479,6 +6491,2413 @@
     <p:extLst>
       <p:ext uri="{BB962C8B-B14F-4D97-AF65-F5344CB8AC3E}">
         <p14:creationId xmlns:p14="http://schemas.microsoft.com/office/powerpoint/2010/main" val="411040928"/>
+      </p:ext>
+    </p:extLst>
+  </p:cSld>
+  <p:clrMapOvr>
+    <a:masterClrMapping/>
+  </p:clrMapOvr>
+</p:sld>
+</file>
+
+<file path=ppt/slides/slide6.xml><?xml version="1.0" encoding="utf-8"?>
+<p:sld xmlns:a="http://schemas.openxmlformats.org/drawingml/2006/main" xmlns:r="http://schemas.openxmlformats.org/officeDocument/2006/relationships" xmlns:p="http://schemas.openxmlformats.org/presentationml/2006/main">
+  <p:cSld>
+    <p:spTree>
+      <p:nvGrpSpPr>
+        <p:cNvPr id="1" name=""/>
+        <p:cNvGrpSpPr/>
+        <p:nvPr/>
+      </p:nvGrpSpPr>
+      <p:grpSpPr>
+        <a:xfrm>
+          <a:off x="0" y="0"/>
+          <a:ext cx="0" cy="0"/>
+          <a:chOff x="0" y="0"/>
+          <a:chExt cx="0" cy="0"/>
+        </a:xfrm>
+      </p:grpSpPr>
+      <p:sp>
+        <p:nvSpPr>
+          <p:cNvPr id="38" name="Rechteck 37">
+            <a:extLst>
+              <a:ext uri="{FF2B5EF4-FFF2-40B4-BE49-F238E27FC236}">
+                <a16:creationId xmlns:a16="http://schemas.microsoft.com/office/drawing/2014/main" id="{09802329-968A-8841-BF01-8FBD052C0C45}"/>
+              </a:ext>
+            </a:extLst>
+          </p:cNvPr>
+          <p:cNvSpPr/>
+          <p:nvPr/>
+        </p:nvSpPr>
+        <p:spPr>
+          <a:xfrm>
+            <a:off x="0" y="0"/>
+            <a:ext cx="12192000" cy="3429000"/>
+          </a:xfrm>
+          <a:prstGeom prst="rect">
+            <a:avLst/>
+          </a:prstGeom>
+          <a:solidFill>
+            <a:schemeClr val="accent3">
+              <a:lumMod val="20000"/>
+              <a:lumOff val="80000"/>
+            </a:schemeClr>
+          </a:solidFill>
+          <a:ln>
+            <a:noFill/>
+          </a:ln>
+        </p:spPr>
+        <p:style>
+          <a:lnRef idx="2">
+            <a:schemeClr val="accent1">
+              <a:shade val="50000"/>
+            </a:schemeClr>
+          </a:lnRef>
+          <a:fillRef idx="1">
+            <a:schemeClr val="accent1"/>
+          </a:fillRef>
+          <a:effectRef idx="0">
+            <a:schemeClr val="accent1"/>
+          </a:effectRef>
+          <a:fontRef idx="minor">
+            <a:schemeClr val="lt1"/>
+          </a:fontRef>
+        </p:style>
+        <p:txBody>
+          <a:bodyPr rtlCol="0" anchor="ctr"/>
+          <a:lstStyle/>
+          <a:p>
+            <a:pPr algn="ctr"/>
+            <a:endParaRPr lang="de-DE"/>
+          </a:p>
+        </p:txBody>
+      </p:sp>
+      <p:sp>
+        <p:nvSpPr>
+          <p:cNvPr id="5" name="Rechteck 4">
+            <a:extLst>
+              <a:ext uri="{FF2B5EF4-FFF2-40B4-BE49-F238E27FC236}">
+                <a16:creationId xmlns:a16="http://schemas.microsoft.com/office/drawing/2014/main" id="{CC3162DF-6A27-0948-8F9E-CF74E1559221}"/>
+              </a:ext>
+            </a:extLst>
+          </p:cNvPr>
+          <p:cNvSpPr/>
+          <p:nvPr/>
+        </p:nvSpPr>
+        <p:spPr>
+          <a:xfrm>
+            <a:off x="8029732" y="4325198"/>
+            <a:ext cx="3867463" cy="1593062"/>
+          </a:xfrm>
+          <a:prstGeom prst="rect">
+            <a:avLst/>
+          </a:prstGeom>
+        </p:spPr>
+        <p:style>
+          <a:lnRef idx="2">
+            <a:schemeClr val="accent1">
+              <a:shade val="50000"/>
+            </a:schemeClr>
+          </a:lnRef>
+          <a:fillRef idx="1">
+            <a:schemeClr val="accent1"/>
+          </a:fillRef>
+          <a:effectRef idx="0">
+            <a:schemeClr val="accent1"/>
+          </a:effectRef>
+          <a:fontRef idx="minor">
+            <a:schemeClr val="lt1"/>
+          </a:fontRef>
+        </p:style>
+        <p:txBody>
+          <a:bodyPr rtlCol="0" anchor="ctr"/>
+          <a:lstStyle/>
+          <a:p>
+            <a:pPr algn="ctr"/>
+            <a:r>
+              <a:rPr lang="de-DE" sz="3200" dirty="0"/>
+              <a:t>abhängige Variable</a:t>
+            </a:r>
+          </a:p>
+        </p:txBody>
+      </p:sp>
+      <p:cxnSp>
+        <p:nvCxnSpPr>
+          <p:cNvPr id="15" name="Gerade Verbindung mit Pfeil 14">
+            <a:extLst>
+              <a:ext uri="{FF2B5EF4-FFF2-40B4-BE49-F238E27FC236}">
+                <a16:creationId xmlns:a16="http://schemas.microsoft.com/office/drawing/2014/main" id="{81DE97D8-EC69-474E-B991-B0695DF7B36D}"/>
+              </a:ext>
+            </a:extLst>
+          </p:cNvPr>
+          <p:cNvCxnSpPr>
+            <a:cxnSpLocks/>
+            <a:endCxn id="5" idx="0"/>
+          </p:cNvCxnSpPr>
+          <p:nvPr/>
+        </p:nvCxnSpPr>
+        <p:spPr>
+          <a:xfrm>
+            <a:off x="8029727" y="2532802"/>
+            <a:ext cx="1933737" cy="1792396"/>
+          </a:xfrm>
+          <a:prstGeom prst="straightConnector1">
+            <a:avLst/>
+          </a:prstGeom>
+          <a:ln w="101600" cap="rnd">
+            <a:solidFill>
+              <a:srgbClr val="00B050"/>
+            </a:solidFill>
+            <a:tailEnd type="triangle"/>
+          </a:ln>
+        </p:spPr>
+        <p:style>
+          <a:lnRef idx="1">
+            <a:schemeClr val="accent1"/>
+          </a:lnRef>
+          <a:fillRef idx="0">
+            <a:schemeClr val="accent1"/>
+          </a:fillRef>
+          <a:effectRef idx="0">
+            <a:schemeClr val="accent1"/>
+          </a:effectRef>
+          <a:fontRef idx="minor">
+            <a:schemeClr val="tx1"/>
+          </a:fontRef>
+        </p:style>
+      </p:cxnSp>
+      <p:sp>
+        <p:nvSpPr>
+          <p:cNvPr id="6" name="Rechteck 5">
+            <a:extLst>
+              <a:ext uri="{FF2B5EF4-FFF2-40B4-BE49-F238E27FC236}">
+                <a16:creationId xmlns:a16="http://schemas.microsoft.com/office/drawing/2014/main" id="{0E3A7986-A5A8-374E-B17A-A892EB8217EB}"/>
+              </a:ext>
+            </a:extLst>
+          </p:cNvPr>
+          <p:cNvSpPr/>
+          <p:nvPr/>
+        </p:nvSpPr>
+        <p:spPr>
+          <a:xfrm>
+            <a:off x="4162269" y="939741"/>
+            <a:ext cx="3867463" cy="1593062"/>
+          </a:xfrm>
+          <a:prstGeom prst="rect">
+            <a:avLst/>
+          </a:prstGeom>
+          <a:solidFill>
+            <a:schemeClr val="accent2">
+              <a:lumMod val="40000"/>
+              <a:lumOff val="60000"/>
+            </a:schemeClr>
+          </a:solidFill>
+          <a:ln>
+            <a:solidFill>
+              <a:schemeClr val="tx1"/>
+            </a:solidFill>
+          </a:ln>
+        </p:spPr>
+        <p:style>
+          <a:lnRef idx="2">
+            <a:schemeClr val="accent1">
+              <a:shade val="50000"/>
+            </a:schemeClr>
+          </a:lnRef>
+          <a:fillRef idx="1">
+            <a:schemeClr val="accent1"/>
+          </a:fillRef>
+          <a:effectRef idx="0">
+            <a:schemeClr val="accent1"/>
+          </a:effectRef>
+          <a:fontRef idx="minor">
+            <a:schemeClr val="lt1"/>
+          </a:fontRef>
+        </p:style>
+        <p:txBody>
+          <a:bodyPr rtlCol="0" anchor="ctr"/>
+          <a:lstStyle/>
+          <a:p>
+            <a:pPr algn="ctr"/>
+            <a:r>
+              <a:rPr lang="de-DE" sz="3200" dirty="0">
+                <a:solidFill>
+                  <a:schemeClr val="tx1"/>
+                </a:solidFill>
+              </a:rPr>
+              <a:t>Mediator</a:t>
+            </a:r>
+          </a:p>
+        </p:txBody>
+      </p:sp>
+      <p:cxnSp>
+        <p:nvCxnSpPr>
+          <p:cNvPr id="32" name="Gerade Verbindung mit Pfeil 31">
+            <a:extLst>
+              <a:ext uri="{FF2B5EF4-FFF2-40B4-BE49-F238E27FC236}">
+                <a16:creationId xmlns:a16="http://schemas.microsoft.com/office/drawing/2014/main" id="{172142C5-5BC2-4B4B-839D-1F6EE113B0F7}"/>
+              </a:ext>
+            </a:extLst>
+          </p:cNvPr>
+          <p:cNvCxnSpPr>
+            <a:cxnSpLocks/>
+            <a:stCxn id="4" idx="3"/>
+            <a:endCxn id="5" idx="1"/>
+          </p:cNvCxnSpPr>
+          <p:nvPr/>
+        </p:nvCxnSpPr>
+        <p:spPr>
+          <a:xfrm>
+            <a:off x="4162268" y="5121729"/>
+            <a:ext cx="3867464" cy="0"/>
+          </a:xfrm>
+          <a:prstGeom prst="straightConnector1">
+            <a:avLst/>
+          </a:prstGeom>
+          <a:ln w="101600">
+            <a:solidFill>
+              <a:srgbClr val="C00000"/>
+            </a:solidFill>
+            <a:prstDash val="solid"/>
+            <a:tailEnd type="triangle"/>
+          </a:ln>
+        </p:spPr>
+        <p:style>
+          <a:lnRef idx="1">
+            <a:schemeClr val="accent1"/>
+          </a:lnRef>
+          <a:fillRef idx="0">
+            <a:schemeClr val="accent1"/>
+          </a:fillRef>
+          <a:effectRef idx="0">
+            <a:schemeClr val="accent1"/>
+          </a:effectRef>
+          <a:fontRef idx="minor">
+            <a:schemeClr val="tx1"/>
+          </a:fontRef>
+        </p:style>
+      </p:cxnSp>
+      <p:sp>
+        <p:nvSpPr>
+          <p:cNvPr id="36" name="Textfeld 35">
+            <a:extLst>
+              <a:ext uri="{FF2B5EF4-FFF2-40B4-BE49-F238E27FC236}">
+                <a16:creationId xmlns:a16="http://schemas.microsoft.com/office/drawing/2014/main" id="{AF6C2230-DEC3-CD4F-B4FA-3F257BF73D4E}"/>
+              </a:ext>
+            </a:extLst>
+          </p:cNvPr>
+          <p:cNvSpPr txBox="1"/>
+          <p:nvPr/>
+        </p:nvSpPr>
+        <p:spPr>
+          <a:xfrm>
+            <a:off x="5263879" y="4556646"/>
+            <a:ext cx="1664237" cy="400110"/>
+          </a:xfrm>
+          <a:prstGeom prst="rect">
+            <a:avLst/>
+          </a:prstGeom>
+          <a:noFill/>
+        </p:spPr>
+        <p:txBody>
+          <a:bodyPr wrap="none" rtlCol="0">
+            <a:spAutoFit/>
+          </a:bodyPr>
+          <a:lstStyle/>
+          <a:p>
+            <a:pPr algn="ctr"/>
+            <a:r>
+              <a:rPr lang="de-DE" sz="2000" dirty="0"/>
+              <a:t>direkter Effekt</a:t>
+            </a:r>
+          </a:p>
+        </p:txBody>
+      </p:sp>
+      <p:sp>
+        <p:nvSpPr>
+          <p:cNvPr id="37" name="Textfeld 36">
+            <a:extLst>
+              <a:ext uri="{FF2B5EF4-FFF2-40B4-BE49-F238E27FC236}">
+                <a16:creationId xmlns:a16="http://schemas.microsoft.com/office/drawing/2014/main" id="{192B614D-26E4-9543-884C-7830A25DDBED}"/>
+              </a:ext>
+            </a:extLst>
+          </p:cNvPr>
+          <p:cNvSpPr txBox="1"/>
+          <p:nvPr/>
+        </p:nvSpPr>
+        <p:spPr>
+          <a:xfrm>
+            <a:off x="8992230" y="2965756"/>
+            <a:ext cx="319318" cy="400110"/>
+          </a:xfrm>
+          <a:prstGeom prst="rect">
+            <a:avLst/>
+          </a:prstGeom>
+          <a:noFill/>
+        </p:spPr>
+        <p:txBody>
+          <a:bodyPr wrap="none" rtlCol="0">
+            <a:spAutoFit/>
+          </a:bodyPr>
+          <a:lstStyle/>
+          <a:p>
+            <a:r>
+              <a:rPr lang="de-DE" sz="2000" dirty="0"/>
+              <a:t>b</a:t>
+            </a:r>
+          </a:p>
+        </p:txBody>
+      </p:sp>
+      <p:sp>
+        <p:nvSpPr>
+          <p:cNvPr id="40" name="Textfeld 39">
+            <a:extLst>
+              <a:ext uri="{FF2B5EF4-FFF2-40B4-BE49-F238E27FC236}">
+                <a16:creationId xmlns:a16="http://schemas.microsoft.com/office/drawing/2014/main" id="{94E79756-F62D-5C48-A063-A3618496F183}"/>
+              </a:ext>
+            </a:extLst>
+          </p:cNvPr>
+          <p:cNvSpPr txBox="1"/>
+          <p:nvPr/>
+        </p:nvSpPr>
+        <p:spPr>
+          <a:xfrm>
+            <a:off x="267177" y="293409"/>
+            <a:ext cx="2114681" cy="646331"/>
+          </a:xfrm>
+          <a:prstGeom prst="rect">
+            <a:avLst/>
+          </a:prstGeom>
+          <a:noFill/>
+        </p:spPr>
+        <p:txBody>
+          <a:bodyPr wrap="none" rtlCol="0">
+            <a:spAutoFit/>
+          </a:bodyPr>
+          <a:lstStyle/>
+          <a:p>
+            <a:r>
+              <a:rPr lang="de-DE" sz="3600" i="1"/>
+              <a:t>Mediation</a:t>
+            </a:r>
+            <a:endParaRPr lang="de-DE" sz="3600" i="1" dirty="0"/>
+          </a:p>
+        </p:txBody>
+      </p:sp>
+      <p:cxnSp>
+        <p:nvCxnSpPr>
+          <p:cNvPr id="16" name="Gerade Verbindung mit Pfeil 15">
+            <a:extLst>
+              <a:ext uri="{FF2B5EF4-FFF2-40B4-BE49-F238E27FC236}">
+                <a16:creationId xmlns:a16="http://schemas.microsoft.com/office/drawing/2014/main" id="{7AE7A027-760D-AD40-BDAE-5B438710F623}"/>
+              </a:ext>
+            </a:extLst>
+          </p:cNvPr>
+          <p:cNvCxnSpPr>
+            <a:cxnSpLocks/>
+            <a:stCxn id="4" idx="0"/>
+          </p:cNvCxnSpPr>
+          <p:nvPr/>
+        </p:nvCxnSpPr>
+        <p:spPr>
+          <a:xfrm flipV="1">
+            <a:off x="2228537" y="2532802"/>
+            <a:ext cx="1933731" cy="1792396"/>
+          </a:xfrm>
+          <a:prstGeom prst="straightConnector1">
+            <a:avLst/>
+          </a:prstGeom>
+          <a:ln w="101600" cap="rnd">
+            <a:solidFill>
+              <a:srgbClr val="00B050"/>
+            </a:solidFill>
+            <a:tailEnd type="triangle"/>
+          </a:ln>
+        </p:spPr>
+        <p:style>
+          <a:lnRef idx="1">
+            <a:schemeClr val="accent1"/>
+          </a:lnRef>
+          <a:fillRef idx="0">
+            <a:schemeClr val="accent1"/>
+          </a:fillRef>
+          <a:effectRef idx="0">
+            <a:schemeClr val="accent1"/>
+          </a:effectRef>
+          <a:fontRef idx="minor">
+            <a:schemeClr val="tx1"/>
+          </a:fontRef>
+        </p:style>
+      </p:cxnSp>
+      <p:sp>
+        <p:nvSpPr>
+          <p:cNvPr id="4" name="Rechteck 3">
+            <a:extLst>
+              <a:ext uri="{FF2B5EF4-FFF2-40B4-BE49-F238E27FC236}">
+                <a16:creationId xmlns:a16="http://schemas.microsoft.com/office/drawing/2014/main" id="{3A3DE8DE-C1DC-E44A-9FBA-07509BC25656}"/>
+              </a:ext>
+            </a:extLst>
+          </p:cNvPr>
+          <p:cNvSpPr/>
+          <p:nvPr/>
+        </p:nvSpPr>
+        <p:spPr>
+          <a:xfrm>
+            <a:off x="294805" y="4325198"/>
+            <a:ext cx="3867463" cy="1593062"/>
+          </a:xfrm>
+          <a:prstGeom prst="rect">
+            <a:avLst/>
+          </a:prstGeom>
+        </p:spPr>
+        <p:style>
+          <a:lnRef idx="2">
+            <a:schemeClr val="accent1">
+              <a:shade val="50000"/>
+            </a:schemeClr>
+          </a:lnRef>
+          <a:fillRef idx="1">
+            <a:schemeClr val="accent1"/>
+          </a:fillRef>
+          <a:effectRef idx="0">
+            <a:schemeClr val="accent1"/>
+          </a:effectRef>
+          <a:fontRef idx="minor">
+            <a:schemeClr val="lt1"/>
+          </a:fontRef>
+        </p:style>
+        <p:txBody>
+          <a:bodyPr rtlCol="0" anchor="ctr"/>
+          <a:lstStyle/>
+          <a:p>
+            <a:pPr algn="ctr"/>
+            <a:r>
+              <a:rPr lang="de-DE" sz="3200" dirty="0"/>
+              <a:t>unabhängige Variable</a:t>
+            </a:r>
+          </a:p>
+        </p:txBody>
+      </p:sp>
+      <p:sp>
+        <p:nvSpPr>
+          <p:cNvPr id="20" name="Textfeld 19">
+            <a:extLst>
+              <a:ext uri="{FF2B5EF4-FFF2-40B4-BE49-F238E27FC236}">
+                <a16:creationId xmlns:a16="http://schemas.microsoft.com/office/drawing/2014/main" id="{D5377579-261F-7248-A5D4-AFFB61D75703}"/>
+              </a:ext>
+            </a:extLst>
+          </p:cNvPr>
+          <p:cNvSpPr txBox="1"/>
+          <p:nvPr/>
+        </p:nvSpPr>
+        <p:spPr>
+          <a:xfrm>
+            <a:off x="2863179" y="3028891"/>
+            <a:ext cx="308098" cy="400110"/>
+          </a:xfrm>
+          <a:prstGeom prst="rect">
+            <a:avLst/>
+          </a:prstGeom>
+          <a:noFill/>
+        </p:spPr>
+        <p:txBody>
+          <a:bodyPr wrap="none" rtlCol="0">
+            <a:spAutoFit/>
+          </a:bodyPr>
+          <a:lstStyle/>
+          <a:p>
+            <a:r>
+              <a:rPr lang="de-DE" sz="2000" dirty="0"/>
+              <a:t>a</a:t>
+            </a:r>
+          </a:p>
+        </p:txBody>
+      </p:sp>
+      <p:sp>
+        <p:nvSpPr>
+          <p:cNvPr id="13" name="Textfeld 12">
+            <a:extLst>
+              <a:ext uri="{FF2B5EF4-FFF2-40B4-BE49-F238E27FC236}">
+                <a16:creationId xmlns:a16="http://schemas.microsoft.com/office/drawing/2014/main" id="{39A9059B-332E-764C-B7AB-EDDF9AD455EC}"/>
+              </a:ext>
+            </a:extLst>
+          </p:cNvPr>
+          <p:cNvSpPr txBox="1"/>
+          <p:nvPr/>
+        </p:nvSpPr>
+        <p:spPr>
+          <a:xfrm>
+            <a:off x="5166896" y="3329334"/>
+            <a:ext cx="1858202" cy="400110"/>
+          </a:xfrm>
+          <a:prstGeom prst="rect">
+            <a:avLst/>
+          </a:prstGeom>
+          <a:noFill/>
+        </p:spPr>
+        <p:txBody>
+          <a:bodyPr wrap="none" rtlCol="0">
+            <a:spAutoFit/>
+          </a:bodyPr>
+          <a:lstStyle/>
+          <a:p>
+            <a:pPr algn="ctr"/>
+            <a:r>
+              <a:rPr lang="de-DE" sz="2000" dirty="0"/>
+              <a:t>indirekter Effekt</a:t>
+            </a:r>
+          </a:p>
+        </p:txBody>
+      </p:sp>
+      <p:cxnSp>
+        <p:nvCxnSpPr>
+          <p:cNvPr id="3" name="Gerade Verbindung mit Pfeil 2">
+            <a:extLst>
+              <a:ext uri="{FF2B5EF4-FFF2-40B4-BE49-F238E27FC236}">
+                <a16:creationId xmlns:a16="http://schemas.microsoft.com/office/drawing/2014/main" id="{02F3EC34-E44E-5242-A224-0E19AF2AC9E3}"/>
+              </a:ext>
+            </a:extLst>
+          </p:cNvPr>
+          <p:cNvCxnSpPr>
+            <a:cxnSpLocks/>
+            <a:stCxn id="13" idx="1"/>
+          </p:cNvCxnSpPr>
+          <p:nvPr/>
+        </p:nvCxnSpPr>
+        <p:spPr>
+          <a:xfrm flipH="1" flipV="1">
+            <a:off x="3867808" y="3228945"/>
+            <a:ext cx="1299088" cy="300444"/>
+          </a:xfrm>
+          <a:prstGeom prst="straightConnector1">
+            <a:avLst/>
+          </a:prstGeom>
+          <a:ln w="12700">
+            <a:tailEnd type="triangle"/>
+          </a:ln>
+        </p:spPr>
+        <p:style>
+          <a:lnRef idx="1">
+            <a:schemeClr val="dk1"/>
+          </a:lnRef>
+          <a:fillRef idx="0">
+            <a:schemeClr val="dk1"/>
+          </a:fillRef>
+          <a:effectRef idx="0">
+            <a:schemeClr val="dk1"/>
+          </a:effectRef>
+          <a:fontRef idx="minor">
+            <a:schemeClr val="tx1"/>
+          </a:fontRef>
+        </p:style>
+      </p:cxnSp>
+      <p:cxnSp>
+        <p:nvCxnSpPr>
+          <p:cNvPr id="17" name="Gerade Verbindung mit Pfeil 16">
+            <a:extLst>
+              <a:ext uri="{FF2B5EF4-FFF2-40B4-BE49-F238E27FC236}">
+                <a16:creationId xmlns:a16="http://schemas.microsoft.com/office/drawing/2014/main" id="{C5FCC815-FBFA-5749-80AA-E604609610CF}"/>
+              </a:ext>
+            </a:extLst>
+          </p:cNvPr>
+          <p:cNvCxnSpPr>
+            <a:cxnSpLocks/>
+            <a:stCxn id="13" idx="3"/>
+          </p:cNvCxnSpPr>
+          <p:nvPr/>
+        </p:nvCxnSpPr>
+        <p:spPr>
+          <a:xfrm flipV="1">
+            <a:off x="7025098" y="3228947"/>
+            <a:ext cx="1372668" cy="300442"/>
+          </a:xfrm>
+          <a:prstGeom prst="straightConnector1">
+            <a:avLst/>
+          </a:prstGeom>
+          <a:ln w="12700">
+            <a:tailEnd type="triangle"/>
+          </a:ln>
+        </p:spPr>
+        <p:style>
+          <a:lnRef idx="1">
+            <a:schemeClr val="dk1"/>
+          </a:lnRef>
+          <a:fillRef idx="0">
+            <a:schemeClr val="dk1"/>
+          </a:fillRef>
+          <a:effectRef idx="0">
+            <a:schemeClr val="dk1"/>
+          </a:effectRef>
+          <a:fontRef idx="minor">
+            <a:schemeClr val="tx1"/>
+          </a:fontRef>
+        </p:style>
+      </p:cxnSp>
+      <p:sp>
+        <p:nvSpPr>
+          <p:cNvPr id="21" name="Textfeld 20">
+            <a:extLst>
+              <a:ext uri="{FF2B5EF4-FFF2-40B4-BE49-F238E27FC236}">
+                <a16:creationId xmlns:a16="http://schemas.microsoft.com/office/drawing/2014/main" id="{1F4E1B2E-C6D6-3A41-85E8-283AB48E0484}"/>
+              </a:ext>
+            </a:extLst>
+          </p:cNvPr>
+          <p:cNvSpPr txBox="1"/>
+          <p:nvPr/>
+        </p:nvSpPr>
+        <p:spPr>
+          <a:xfrm>
+            <a:off x="5949162" y="5154966"/>
+            <a:ext cx="357790" cy="400110"/>
+          </a:xfrm>
+          <a:prstGeom prst="rect">
+            <a:avLst/>
+          </a:prstGeom>
+          <a:noFill/>
+        </p:spPr>
+        <p:txBody>
+          <a:bodyPr wrap="none" rtlCol="0">
+            <a:spAutoFit/>
+          </a:bodyPr>
+          <a:lstStyle/>
+          <a:p>
+            <a:r>
+              <a:rPr lang="de-DE" sz="2000" dirty="0"/>
+              <a:t>c‘</a:t>
+            </a:r>
+          </a:p>
+        </p:txBody>
+      </p:sp>
+    </p:spTree>
+    <p:extLst>
+      <p:ext uri="{BB962C8B-B14F-4D97-AF65-F5344CB8AC3E}">
+        <p14:creationId xmlns:p14="http://schemas.microsoft.com/office/powerpoint/2010/main" val="808093148"/>
+      </p:ext>
+    </p:extLst>
+  </p:cSld>
+  <p:clrMapOvr>
+    <a:masterClrMapping/>
+  </p:clrMapOvr>
+</p:sld>
+</file>
+
+<file path=ppt/slides/slide7.xml><?xml version="1.0" encoding="utf-8"?>
+<p:sld xmlns:a="http://schemas.openxmlformats.org/drawingml/2006/main" xmlns:r="http://schemas.openxmlformats.org/officeDocument/2006/relationships" xmlns:p="http://schemas.openxmlformats.org/presentationml/2006/main">
+  <p:cSld>
+    <p:spTree>
+      <p:nvGrpSpPr>
+        <p:cNvPr id="1" name=""/>
+        <p:cNvGrpSpPr/>
+        <p:nvPr/>
+      </p:nvGrpSpPr>
+      <p:grpSpPr>
+        <a:xfrm>
+          <a:off x="0" y="0"/>
+          <a:ext cx="0" cy="0"/>
+          <a:chOff x="0" y="0"/>
+          <a:chExt cx="0" cy="0"/>
+        </a:xfrm>
+      </p:grpSpPr>
+      <p:sp>
+        <p:nvSpPr>
+          <p:cNvPr id="38" name="Rechteck 37">
+            <a:extLst>
+              <a:ext uri="{FF2B5EF4-FFF2-40B4-BE49-F238E27FC236}">
+                <a16:creationId xmlns:a16="http://schemas.microsoft.com/office/drawing/2014/main" id="{09802329-968A-8841-BF01-8FBD052C0C45}"/>
+              </a:ext>
+            </a:extLst>
+          </p:cNvPr>
+          <p:cNvSpPr/>
+          <p:nvPr/>
+        </p:nvSpPr>
+        <p:spPr>
+          <a:xfrm>
+            <a:off x="0" y="0"/>
+            <a:ext cx="12192000" cy="3429000"/>
+          </a:xfrm>
+          <a:prstGeom prst="rect">
+            <a:avLst/>
+          </a:prstGeom>
+          <a:solidFill>
+            <a:schemeClr val="accent3">
+              <a:lumMod val="20000"/>
+              <a:lumOff val="80000"/>
+            </a:schemeClr>
+          </a:solidFill>
+          <a:ln>
+            <a:noFill/>
+          </a:ln>
+        </p:spPr>
+        <p:style>
+          <a:lnRef idx="2">
+            <a:schemeClr val="accent1">
+              <a:shade val="50000"/>
+            </a:schemeClr>
+          </a:lnRef>
+          <a:fillRef idx="1">
+            <a:schemeClr val="accent1"/>
+          </a:fillRef>
+          <a:effectRef idx="0">
+            <a:schemeClr val="accent1"/>
+          </a:effectRef>
+          <a:fontRef idx="minor">
+            <a:schemeClr val="lt1"/>
+          </a:fontRef>
+        </p:style>
+        <p:txBody>
+          <a:bodyPr rtlCol="0" anchor="ctr"/>
+          <a:lstStyle/>
+          <a:p>
+            <a:pPr algn="ctr"/>
+            <a:endParaRPr lang="de-DE"/>
+          </a:p>
+        </p:txBody>
+      </p:sp>
+      <p:sp>
+        <p:nvSpPr>
+          <p:cNvPr id="5" name="Rechteck 4">
+            <a:extLst>
+              <a:ext uri="{FF2B5EF4-FFF2-40B4-BE49-F238E27FC236}">
+                <a16:creationId xmlns:a16="http://schemas.microsoft.com/office/drawing/2014/main" id="{CC3162DF-6A27-0948-8F9E-CF74E1559221}"/>
+              </a:ext>
+            </a:extLst>
+          </p:cNvPr>
+          <p:cNvSpPr/>
+          <p:nvPr/>
+        </p:nvSpPr>
+        <p:spPr>
+          <a:xfrm>
+            <a:off x="8029732" y="4325198"/>
+            <a:ext cx="3867463" cy="1593062"/>
+          </a:xfrm>
+          <a:prstGeom prst="rect">
+            <a:avLst/>
+          </a:prstGeom>
+        </p:spPr>
+        <p:style>
+          <a:lnRef idx="2">
+            <a:schemeClr val="accent1">
+              <a:shade val="50000"/>
+            </a:schemeClr>
+          </a:lnRef>
+          <a:fillRef idx="1">
+            <a:schemeClr val="accent1"/>
+          </a:fillRef>
+          <a:effectRef idx="0">
+            <a:schemeClr val="accent1"/>
+          </a:effectRef>
+          <a:fontRef idx="minor">
+            <a:schemeClr val="lt1"/>
+          </a:fontRef>
+        </p:style>
+        <p:txBody>
+          <a:bodyPr rtlCol="0" anchor="ctr"/>
+          <a:lstStyle/>
+          <a:p>
+            <a:pPr algn="ctr"/>
+            <a:r>
+              <a:rPr lang="de-DE" sz="3200" dirty="0"/>
+              <a:t>abhängige Variable</a:t>
+            </a:r>
+          </a:p>
+        </p:txBody>
+      </p:sp>
+      <p:cxnSp>
+        <p:nvCxnSpPr>
+          <p:cNvPr id="32" name="Gerade Verbindung mit Pfeil 31">
+            <a:extLst>
+              <a:ext uri="{FF2B5EF4-FFF2-40B4-BE49-F238E27FC236}">
+                <a16:creationId xmlns:a16="http://schemas.microsoft.com/office/drawing/2014/main" id="{172142C5-5BC2-4B4B-839D-1F6EE113B0F7}"/>
+              </a:ext>
+            </a:extLst>
+          </p:cNvPr>
+          <p:cNvCxnSpPr>
+            <a:cxnSpLocks/>
+            <a:stCxn id="4" idx="3"/>
+            <a:endCxn id="5" idx="1"/>
+          </p:cNvCxnSpPr>
+          <p:nvPr/>
+        </p:nvCxnSpPr>
+        <p:spPr>
+          <a:xfrm>
+            <a:off x="4162268" y="5121729"/>
+            <a:ext cx="3867464" cy="0"/>
+          </a:xfrm>
+          <a:prstGeom prst="straightConnector1">
+            <a:avLst/>
+          </a:prstGeom>
+          <a:ln w="101600">
+            <a:solidFill>
+              <a:schemeClr val="tx1"/>
+            </a:solidFill>
+            <a:prstDash val="solid"/>
+            <a:tailEnd type="triangle"/>
+          </a:ln>
+        </p:spPr>
+        <p:style>
+          <a:lnRef idx="1">
+            <a:schemeClr val="accent1"/>
+          </a:lnRef>
+          <a:fillRef idx="0">
+            <a:schemeClr val="accent1"/>
+          </a:fillRef>
+          <a:effectRef idx="0">
+            <a:schemeClr val="accent1"/>
+          </a:effectRef>
+          <a:fontRef idx="minor">
+            <a:schemeClr val="tx1"/>
+          </a:fontRef>
+        </p:style>
+      </p:cxnSp>
+      <p:sp>
+        <p:nvSpPr>
+          <p:cNvPr id="36" name="Textfeld 35">
+            <a:extLst>
+              <a:ext uri="{FF2B5EF4-FFF2-40B4-BE49-F238E27FC236}">
+                <a16:creationId xmlns:a16="http://schemas.microsoft.com/office/drawing/2014/main" id="{AF6C2230-DEC3-CD4F-B4FA-3F257BF73D4E}"/>
+              </a:ext>
+            </a:extLst>
+          </p:cNvPr>
+          <p:cNvSpPr txBox="1"/>
+          <p:nvPr/>
+        </p:nvSpPr>
+        <p:spPr>
+          <a:xfrm>
+            <a:off x="5325499" y="4556646"/>
+            <a:ext cx="1540999" cy="400110"/>
+          </a:xfrm>
+          <a:prstGeom prst="rect">
+            <a:avLst/>
+          </a:prstGeom>
+          <a:noFill/>
+        </p:spPr>
+        <p:txBody>
+          <a:bodyPr wrap="none" rtlCol="0">
+            <a:spAutoFit/>
+          </a:bodyPr>
+          <a:lstStyle/>
+          <a:p>
+            <a:pPr algn="ctr"/>
+            <a:r>
+              <a:rPr lang="de-DE" sz="2000" dirty="0"/>
+              <a:t>totaler Effekt</a:t>
+            </a:r>
+          </a:p>
+        </p:txBody>
+      </p:sp>
+      <p:sp>
+        <p:nvSpPr>
+          <p:cNvPr id="40" name="Textfeld 39">
+            <a:extLst>
+              <a:ext uri="{FF2B5EF4-FFF2-40B4-BE49-F238E27FC236}">
+                <a16:creationId xmlns:a16="http://schemas.microsoft.com/office/drawing/2014/main" id="{94E79756-F62D-5C48-A063-A3618496F183}"/>
+              </a:ext>
+            </a:extLst>
+          </p:cNvPr>
+          <p:cNvSpPr txBox="1"/>
+          <p:nvPr/>
+        </p:nvSpPr>
+        <p:spPr>
+          <a:xfrm>
+            <a:off x="267177" y="293409"/>
+            <a:ext cx="2114681" cy="646331"/>
+          </a:xfrm>
+          <a:prstGeom prst="rect">
+            <a:avLst/>
+          </a:prstGeom>
+          <a:noFill/>
+        </p:spPr>
+        <p:txBody>
+          <a:bodyPr wrap="none" rtlCol="0">
+            <a:spAutoFit/>
+          </a:bodyPr>
+          <a:lstStyle/>
+          <a:p>
+            <a:r>
+              <a:rPr lang="de-DE" sz="3600" i="1"/>
+              <a:t>Mediation</a:t>
+            </a:r>
+            <a:endParaRPr lang="de-DE" sz="3600" i="1" dirty="0"/>
+          </a:p>
+        </p:txBody>
+      </p:sp>
+      <p:sp>
+        <p:nvSpPr>
+          <p:cNvPr id="4" name="Rechteck 3">
+            <a:extLst>
+              <a:ext uri="{FF2B5EF4-FFF2-40B4-BE49-F238E27FC236}">
+                <a16:creationId xmlns:a16="http://schemas.microsoft.com/office/drawing/2014/main" id="{3A3DE8DE-C1DC-E44A-9FBA-07509BC25656}"/>
+              </a:ext>
+            </a:extLst>
+          </p:cNvPr>
+          <p:cNvSpPr/>
+          <p:nvPr/>
+        </p:nvSpPr>
+        <p:spPr>
+          <a:xfrm>
+            <a:off x="294805" y="4325198"/>
+            <a:ext cx="3867463" cy="1593062"/>
+          </a:xfrm>
+          <a:prstGeom prst="rect">
+            <a:avLst/>
+          </a:prstGeom>
+        </p:spPr>
+        <p:style>
+          <a:lnRef idx="2">
+            <a:schemeClr val="accent1">
+              <a:shade val="50000"/>
+            </a:schemeClr>
+          </a:lnRef>
+          <a:fillRef idx="1">
+            <a:schemeClr val="accent1"/>
+          </a:fillRef>
+          <a:effectRef idx="0">
+            <a:schemeClr val="accent1"/>
+          </a:effectRef>
+          <a:fontRef idx="minor">
+            <a:schemeClr val="lt1"/>
+          </a:fontRef>
+        </p:style>
+        <p:txBody>
+          <a:bodyPr rtlCol="0" anchor="ctr"/>
+          <a:lstStyle/>
+          <a:p>
+            <a:pPr algn="ctr"/>
+            <a:r>
+              <a:rPr lang="de-DE" sz="3200" dirty="0"/>
+              <a:t>unabhängige Variable</a:t>
+            </a:r>
+          </a:p>
+        </p:txBody>
+      </p:sp>
+      <p:sp>
+        <p:nvSpPr>
+          <p:cNvPr id="21" name="Textfeld 20">
+            <a:extLst>
+              <a:ext uri="{FF2B5EF4-FFF2-40B4-BE49-F238E27FC236}">
+                <a16:creationId xmlns:a16="http://schemas.microsoft.com/office/drawing/2014/main" id="{1F4E1B2E-C6D6-3A41-85E8-283AB48E0484}"/>
+              </a:ext>
+            </a:extLst>
+          </p:cNvPr>
+          <p:cNvSpPr txBox="1"/>
+          <p:nvPr/>
+        </p:nvSpPr>
+        <p:spPr>
+          <a:xfrm>
+            <a:off x="5949162" y="5154966"/>
+            <a:ext cx="293670" cy="400110"/>
+          </a:xfrm>
+          <a:prstGeom prst="rect">
+            <a:avLst/>
+          </a:prstGeom>
+          <a:noFill/>
+        </p:spPr>
+        <p:txBody>
+          <a:bodyPr wrap="none" rtlCol="0">
+            <a:spAutoFit/>
+          </a:bodyPr>
+          <a:lstStyle/>
+          <a:p>
+            <a:r>
+              <a:rPr lang="de-DE" sz="2000" dirty="0"/>
+              <a:t>c</a:t>
+            </a:r>
+          </a:p>
+        </p:txBody>
+      </p:sp>
+    </p:spTree>
+    <p:extLst>
+      <p:ext uri="{BB962C8B-B14F-4D97-AF65-F5344CB8AC3E}">
+        <p14:creationId xmlns:p14="http://schemas.microsoft.com/office/powerpoint/2010/main" val="4170273326"/>
+      </p:ext>
+    </p:extLst>
+  </p:cSld>
+  <p:clrMapOvr>
+    <a:masterClrMapping/>
+  </p:clrMapOvr>
+</p:sld>
+</file>
+
+<file path=ppt/slides/slide8.xml><?xml version="1.0" encoding="utf-8"?>
+<p:sld xmlns:a="http://schemas.openxmlformats.org/drawingml/2006/main" xmlns:r="http://schemas.openxmlformats.org/officeDocument/2006/relationships" xmlns:p="http://schemas.openxmlformats.org/presentationml/2006/main">
+  <p:cSld>
+    <p:spTree>
+      <p:nvGrpSpPr>
+        <p:cNvPr id="1" name=""/>
+        <p:cNvGrpSpPr/>
+        <p:nvPr/>
+      </p:nvGrpSpPr>
+      <p:grpSpPr>
+        <a:xfrm>
+          <a:off x="0" y="0"/>
+          <a:ext cx="0" cy="0"/>
+          <a:chOff x="0" y="0"/>
+          <a:chExt cx="0" cy="0"/>
+        </a:xfrm>
+      </p:grpSpPr>
+      <p:sp>
+        <p:nvSpPr>
+          <p:cNvPr id="38" name="Rechteck 37">
+            <a:extLst>
+              <a:ext uri="{FF2B5EF4-FFF2-40B4-BE49-F238E27FC236}">
+                <a16:creationId xmlns:a16="http://schemas.microsoft.com/office/drawing/2014/main" id="{09802329-968A-8841-BF01-8FBD052C0C45}"/>
+              </a:ext>
+            </a:extLst>
+          </p:cNvPr>
+          <p:cNvSpPr/>
+          <p:nvPr/>
+        </p:nvSpPr>
+        <p:spPr>
+          <a:xfrm>
+            <a:off x="0" y="0"/>
+            <a:ext cx="12192000" cy="3429000"/>
+          </a:xfrm>
+          <a:prstGeom prst="rect">
+            <a:avLst/>
+          </a:prstGeom>
+          <a:solidFill>
+            <a:schemeClr val="accent3">
+              <a:lumMod val="20000"/>
+              <a:lumOff val="80000"/>
+            </a:schemeClr>
+          </a:solidFill>
+          <a:ln>
+            <a:noFill/>
+          </a:ln>
+        </p:spPr>
+        <p:style>
+          <a:lnRef idx="2">
+            <a:schemeClr val="accent1">
+              <a:shade val="50000"/>
+            </a:schemeClr>
+          </a:lnRef>
+          <a:fillRef idx="1">
+            <a:schemeClr val="accent1"/>
+          </a:fillRef>
+          <a:effectRef idx="0">
+            <a:schemeClr val="accent1"/>
+          </a:effectRef>
+          <a:fontRef idx="minor">
+            <a:schemeClr val="lt1"/>
+          </a:fontRef>
+        </p:style>
+        <p:txBody>
+          <a:bodyPr rtlCol="0" anchor="ctr"/>
+          <a:lstStyle/>
+          <a:p>
+            <a:pPr algn="ctr"/>
+            <a:endParaRPr lang="de-DE"/>
+          </a:p>
+        </p:txBody>
+      </p:sp>
+      <p:cxnSp>
+        <p:nvCxnSpPr>
+          <p:cNvPr id="14" name="Gerade Verbindung mit Pfeil 13">
+            <a:extLst>
+              <a:ext uri="{FF2B5EF4-FFF2-40B4-BE49-F238E27FC236}">
+                <a16:creationId xmlns:a16="http://schemas.microsoft.com/office/drawing/2014/main" id="{2A26594B-044C-AC48-8D69-05B708DD4AFD}"/>
+              </a:ext>
+            </a:extLst>
+          </p:cNvPr>
+          <p:cNvCxnSpPr>
+            <a:cxnSpLocks/>
+          </p:cNvCxnSpPr>
+          <p:nvPr/>
+        </p:nvCxnSpPr>
+        <p:spPr>
+          <a:xfrm flipH="1">
+            <a:off x="8996595" y="1712383"/>
+            <a:ext cx="1475639" cy="1744407"/>
+          </a:xfrm>
+          <a:prstGeom prst="straightConnector1">
+            <a:avLst/>
+          </a:prstGeom>
+          <a:ln w="101600" cap="rnd">
+            <a:solidFill>
+              <a:schemeClr val="accent2"/>
+            </a:solidFill>
+            <a:tailEnd type="triangle"/>
+          </a:ln>
+        </p:spPr>
+        <p:style>
+          <a:lnRef idx="1">
+            <a:schemeClr val="accent1"/>
+          </a:lnRef>
+          <a:fillRef idx="0">
+            <a:schemeClr val="accent1"/>
+          </a:fillRef>
+          <a:effectRef idx="0">
+            <a:schemeClr val="accent1"/>
+          </a:effectRef>
+          <a:fontRef idx="minor">
+            <a:schemeClr val="tx1"/>
+          </a:fontRef>
+        </p:style>
+      </p:cxnSp>
+      <p:sp>
+        <p:nvSpPr>
+          <p:cNvPr id="5" name="Rechteck 4">
+            <a:extLst>
+              <a:ext uri="{FF2B5EF4-FFF2-40B4-BE49-F238E27FC236}">
+                <a16:creationId xmlns:a16="http://schemas.microsoft.com/office/drawing/2014/main" id="{CC3162DF-6A27-0948-8F9E-CF74E1559221}"/>
+              </a:ext>
+            </a:extLst>
+          </p:cNvPr>
+          <p:cNvSpPr/>
+          <p:nvPr/>
+        </p:nvSpPr>
+        <p:spPr>
+          <a:xfrm>
+            <a:off x="8029732" y="4325198"/>
+            <a:ext cx="3867463" cy="1593062"/>
+          </a:xfrm>
+          <a:prstGeom prst="rect">
+            <a:avLst/>
+          </a:prstGeom>
+        </p:spPr>
+        <p:style>
+          <a:lnRef idx="2">
+            <a:schemeClr val="accent1">
+              <a:shade val="50000"/>
+            </a:schemeClr>
+          </a:lnRef>
+          <a:fillRef idx="1">
+            <a:schemeClr val="accent1"/>
+          </a:fillRef>
+          <a:effectRef idx="0">
+            <a:schemeClr val="accent1"/>
+          </a:effectRef>
+          <a:fontRef idx="minor">
+            <a:schemeClr val="lt1"/>
+          </a:fontRef>
+        </p:style>
+        <p:txBody>
+          <a:bodyPr rtlCol="0" anchor="ctr"/>
+          <a:lstStyle/>
+          <a:p>
+            <a:pPr algn="ctr"/>
+            <a:r>
+              <a:rPr lang="de-DE" sz="3200" dirty="0"/>
+              <a:t>abhängige Variable</a:t>
+            </a:r>
+          </a:p>
+        </p:txBody>
+      </p:sp>
+      <p:cxnSp>
+        <p:nvCxnSpPr>
+          <p:cNvPr id="15" name="Gerade Verbindung mit Pfeil 14">
+            <a:extLst>
+              <a:ext uri="{FF2B5EF4-FFF2-40B4-BE49-F238E27FC236}">
+                <a16:creationId xmlns:a16="http://schemas.microsoft.com/office/drawing/2014/main" id="{81DE97D8-EC69-474E-B991-B0695DF7B36D}"/>
+              </a:ext>
+            </a:extLst>
+          </p:cNvPr>
+          <p:cNvCxnSpPr>
+            <a:cxnSpLocks/>
+            <a:endCxn id="5" idx="0"/>
+          </p:cNvCxnSpPr>
+          <p:nvPr/>
+        </p:nvCxnSpPr>
+        <p:spPr>
+          <a:xfrm>
+            <a:off x="8029727" y="2532802"/>
+            <a:ext cx="1933737" cy="1792396"/>
+          </a:xfrm>
+          <a:prstGeom prst="straightConnector1">
+            <a:avLst/>
+          </a:prstGeom>
+          <a:ln w="101600" cap="rnd">
+            <a:solidFill>
+              <a:schemeClr val="tx1"/>
+            </a:solidFill>
+            <a:tailEnd type="triangle"/>
+          </a:ln>
+        </p:spPr>
+        <p:style>
+          <a:lnRef idx="1">
+            <a:schemeClr val="accent1"/>
+          </a:lnRef>
+          <a:fillRef idx="0">
+            <a:schemeClr val="accent1"/>
+          </a:fillRef>
+          <a:effectRef idx="0">
+            <a:schemeClr val="accent1"/>
+          </a:effectRef>
+          <a:fontRef idx="minor">
+            <a:schemeClr val="tx1"/>
+          </a:fontRef>
+        </p:style>
+      </p:cxnSp>
+      <p:sp>
+        <p:nvSpPr>
+          <p:cNvPr id="6" name="Rechteck 5">
+            <a:extLst>
+              <a:ext uri="{FF2B5EF4-FFF2-40B4-BE49-F238E27FC236}">
+                <a16:creationId xmlns:a16="http://schemas.microsoft.com/office/drawing/2014/main" id="{0E3A7986-A5A8-374E-B17A-A892EB8217EB}"/>
+              </a:ext>
+            </a:extLst>
+          </p:cNvPr>
+          <p:cNvSpPr/>
+          <p:nvPr/>
+        </p:nvSpPr>
+        <p:spPr>
+          <a:xfrm>
+            <a:off x="4162269" y="939741"/>
+            <a:ext cx="3867463" cy="1593062"/>
+          </a:xfrm>
+          <a:prstGeom prst="rect">
+            <a:avLst/>
+          </a:prstGeom>
+          <a:solidFill>
+            <a:schemeClr val="accent2">
+              <a:lumMod val="40000"/>
+              <a:lumOff val="60000"/>
+            </a:schemeClr>
+          </a:solidFill>
+          <a:ln>
+            <a:solidFill>
+              <a:schemeClr val="tx1"/>
+            </a:solidFill>
+          </a:ln>
+        </p:spPr>
+        <p:style>
+          <a:lnRef idx="2">
+            <a:schemeClr val="accent1">
+              <a:shade val="50000"/>
+            </a:schemeClr>
+          </a:lnRef>
+          <a:fillRef idx="1">
+            <a:schemeClr val="accent1"/>
+          </a:fillRef>
+          <a:effectRef idx="0">
+            <a:schemeClr val="accent1"/>
+          </a:effectRef>
+          <a:fontRef idx="minor">
+            <a:schemeClr val="lt1"/>
+          </a:fontRef>
+        </p:style>
+        <p:txBody>
+          <a:bodyPr rtlCol="0" anchor="ctr"/>
+          <a:lstStyle/>
+          <a:p>
+            <a:pPr algn="ctr"/>
+            <a:r>
+              <a:rPr lang="de-DE" sz="3200" dirty="0">
+                <a:solidFill>
+                  <a:schemeClr val="tx1"/>
+                </a:solidFill>
+              </a:rPr>
+              <a:t>Mediator</a:t>
+            </a:r>
+          </a:p>
+        </p:txBody>
+      </p:sp>
+      <p:cxnSp>
+        <p:nvCxnSpPr>
+          <p:cNvPr id="32" name="Gerade Verbindung mit Pfeil 31">
+            <a:extLst>
+              <a:ext uri="{FF2B5EF4-FFF2-40B4-BE49-F238E27FC236}">
+                <a16:creationId xmlns:a16="http://schemas.microsoft.com/office/drawing/2014/main" id="{172142C5-5BC2-4B4B-839D-1F6EE113B0F7}"/>
+              </a:ext>
+            </a:extLst>
+          </p:cNvPr>
+          <p:cNvCxnSpPr>
+            <a:cxnSpLocks/>
+            <a:stCxn id="4" idx="3"/>
+            <a:endCxn id="5" idx="1"/>
+          </p:cNvCxnSpPr>
+          <p:nvPr/>
+        </p:nvCxnSpPr>
+        <p:spPr>
+          <a:xfrm>
+            <a:off x="4162268" y="5121729"/>
+            <a:ext cx="3867464" cy="0"/>
+          </a:xfrm>
+          <a:prstGeom prst="straightConnector1">
+            <a:avLst/>
+          </a:prstGeom>
+          <a:ln w="101600">
+            <a:solidFill>
+              <a:schemeClr val="tx1"/>
+            </a:solidFill>
+            <a:prstDash val="lgDash"/>
+            <a:tailEnd type="triangle"/>
+          </a:ln>
+        </p:spPr>
+        <p:style>
+          <a:lnRef idx="1">
+            <a:schemeClr val="accent1"/>
+          </a:lnRef>
+          <a:fillRef idx="0">
+            <a:schemeClr val="accent1"/>
+          </a:fillRef>
+          <a:effectRef idx="0">
+            <a:schemeClr val="accent1"/>
+          </a:effectRef>
+          <a:fontRef idx="minor">
+            <a:schemeClr val="tx1"/>
+          </a:fontRef>
+        </p:style>
+      </p:cxnSp>
+      <p:sp>
+        <p:nvSpPr>
+          <p:cNvPr id="36" name="Textfeld 35">
+            <a:extLst>
+              <a:ext uri="{FF2B5EF4-FFF2-40B4-BE49-F238E27FC236}">
+                <a16:creationId xmlns:a16="http://schemas.microsoft.com/office/drawing/2014/main" id="{AF6C2230-DEC3-CD4F-B4FA-3F257BF73D4E}"/>
+              </a:ext>
+            </a:extLst>
+          </p:cNvPr>
+          <p:cNvSpPr txBox="1"/>
+          <p:nvPr/>
+        </p:nvSpPr>
+        <p:spPr>
+          <a:xfrm>
+            <a:off x="4564141" y="5259209"/>
+            <a:ext cx="3063724" cy="707886"/>
+          </a:xfrm>
+          <a:prstGeom prst="rect">
+            <a:avLst/>
+          </a:prstGeom>
+          <a:noFill/>
+        </p:spPr>
+        <p:txBody>
+          <a:bodyPr wrap="none" rtlCol="0">
+            <a:spAutoFit/>
+          </a:bodyPr>
+          <a:lstStyle/>
+          <a:p>
+            <a:pPr algn="ctr"/>
+            <a:r>
+              <a:rPr lang="de-DE" sz="2000" dirty="0"/>
+              <a:t>Kausaler Effekt</a:t>
+            </a:r>
+          </a:p>
+          <a:p>
+            <a:pPr algn="ctr"/>
+            <a:r>
+              <a:rPr lang="de-DE" sz="2000" dirty="0"/>
+              <a:t>(vermittelt durch Mediator)</a:t>
+            </a:r>
+          </a:p>
+        </p:txBody>
+      </p:sp>
+      <p:sp>
+        <p:nvSpPr>
+          <p:cNvPr id="37" name="Textfeld 36">
+            <a:extLst>
+              <a:ext uri="{FF2B5EF4-FFF2-40B4-BE49-F238E27FC236}">
+                <a16:creationId xmlns:a16="http://schemas.microsoft.com/office/drawing/2014/main" id="{192B614D-26E4-9543-884C-7830A25DDBED}"/>
+              </a:ext>
+            </a:extLst>
+          </p:cNvPr>
+          <p:cNvSpPr txBox="1"/>
+          <p:nvPr/>
+        </p:nvSpPr>
+        <p:spPr>
+          <a:xfrm>
+            <a:off x="1513602" y="3028891"/>
+            <a:ext cx="1690399" cy="400110"/>
+          </a:xfrm>
+          <a:prstGeom prst="rect">
+            <a:avLst/>
+          </a:prstGeom>
+          <a:noFill/>
+        </p:spPr>
+        <p:txBody>
+          <a:bodyPr wrap="none" rtlCol="0">
+            <a:spAutoFit/>
+          </a:bodyPr>
+          <a:lstStyle/>
+          <a:p>
+            <a:r>
+              <a:rPr lang="de-DE" sz="2000" dirty="0"/>
+              <a:t>Kausalwirkung</a:t>
+            </a:r>
+          </a:p>
+        </p:txBody>
+      </p:sp>
+      <p:sp>
+        <p:nvSpPr>
+          <p:cNvPr id="40" name="Textfeld 39">
+            <a:extLst>
+              <a:ext uri="{FF2B5EF4-FFF2-40B4-BE49-F238E27FC236}">
+                <a16:creationId xmlns:a16="http://schemas.microsoft.com/office/drawing/2014/main" id="{94E79756-F62D-5C48-A063-A3618496F183}"/>
+              </a:ext>
+            </a:extLst>
+          </p:cNvPr>
+          <p:cNvSpPr txBox="1"/>
+          <p:nvPr/>
+        </p:nvSpPr>
+        <p:spPr>
+          <a:xfrm>
+            <a:off x="294805" y="121510"/>
+            <a:ext cx="2946512" cy="461665"/>
+          </a:xfrm>
+          <a:prstGeom prst="rect">
+            <a:avLst/>
+          </a:prstGeom>
+          <a:noFill/>
+        </p:spPr>
+        <p:txBody>
+          <a:bodyPr wrap="none" rtlCol="0">
+            <a:spAutoFit/>
+          </a:bodyPr>
+          <a:lstStyle/>
+          <a:p>
+            <a:r>
+              <a:rPr lang="de-DE" sz="2400" i="1" dirty="0"/>
+              <a:t>Moderierte Mediation</a:t>
+            </a:r>
+          </a:p>
+        </p:txBody>
+      </p:sp>
+      <p:cxnSp>
+        <p:nvCxnSpPr>
+          <p:cNvPr id="16" name="Gerade Verbindung mit Pfeil 15">
+            <a:extLst>
+              <a:ext uri="{FF2B5EF4-FFF2-40B4-BE49-F238E27FC236}">
+                <a16:creationId xmlns:a16="http://schemas.microsoft.com/office/drawing/2014/main" id="{7AE7A027-760D-AD40-BDAE-5B438710F623}"/>
+              </a:ext>
+            </a:extLst>
+          </p:cNvPr>
+          <p:cNvCxnSpPr>
+            <a:cxnSpLocks/>
+            <a:stCxn id="4" idx="0"/>
+          </p:cNvCxnSpPr>
+          <p:nvPr/>
+        </p:nvCxnSpPr>
+        <p:spPr>
+          <a:xfrm flipV="1">
+            <a:off x="2228537" y="2532802"/>
+            <a:ext cx="1933731" cy="1792396"/>
+          </a:xfrm>
+          <a:prstGeom prst="straightConnector1">
+            <a:avLst/>
+          </a:prstGeom>
+          <a:ln w="101600" cap="rnd">
+            <a:solidFill>
+              <a:schemeClr val="tx1"/>
+            </a:solidFill>
+            <a:tailEnd type="triangle"/>
+          </a:ln>
+        </p:spPr>
+        <p:style>
+          <a:lnRef idx="1">
+            <a:schemeClr val="accent1"/>
+          </a:lnRef>
+          <a:fillRef idx="0">
+            <a:schemeClr val="accent1"/>
+          </a:fillRef>
+          <a:effectRef idx="0">
+            <a:schemeClr val="accent1"/>
+          </a:effectRef>
+          <a:fontRef idx="minor">
+            <a:schemeClr val="tx1"/>
+          </a:fontRef>
+        </p:style>
+      </p:cxnSp>
+      <p:sp>
+        <p:nvSpPr>
+          <p:cNvPr id="4" name="Rechteck 3">
+            <a:extLst>
+              <a:ext uri="{FF2B5EF4-FFF2-40B4-BE49-F238E27FC236}">
+                <a16:creationId xmlns:a16="http://schemas.microsoft.com/office/drawing/2014/main" id="{3A3DE8DE-C1DC-E44A-9FBA-07509BC25656}"/>
+              </a:ext>
+            </a:extLst>
+          </p:cNvPr>
+          <p:cNvSpPr/>
+          <p:nvPr/>
+        </p:nvSpPr>
+        <p:spPr>
+          <a:xfrm>
+            <a:off x="294805" y="4325198"/>
+            <a:ext cx="3867463" cy="1593062"/>
+          </a:xfrm>
+          <a:prstGeom prst="rect">
+            <a:avLst/>
+          </a:prstGeom>
+        </p:spPr>
+        <p:style>
+          <a:lnRef idx="2">
+            <a:schemeClr val="accent1">
+              <a:shade val="50000"/>
+            </a:schemeClr>
+          </a:lnRef>
+          <a:fillRef idx="1">
+            <a:schemeClr val="accent1"/>
+          </a:fillRef>
+          <a:effectRef idx="0">
+            <a:schemeClr val="accent1"/>
+          </a:effectRef>
+          <a:fontRef idx="minor">
+            <a:schemeClr val="lt1"/>
+          </a:fontRef>
+        </p:style>
+        <p:txBody>
+          <a:bodyPr rtlCol="0" anchor="ctr"/>
+          <a:lstStyle/>
+          <a:p>
+            <a:pPr algn="ctr"/>
+            <a:r>
+              <a:rPr lang="de-DE" sz="3200" dirty="0"/>
+              <a:t>unabhängige Variable</a:t>
+            </a:r>
+          </a:p>
+        </p:txBody>
+      </p:sp>
+      <p:sp>
+        <p:nvSpPr>
+          <p:cNvPr id="20" name="Textfeld 19">
+            <a:extLst>
+              <a:ext uri="{FF2B5EF4-FFF2-40B4-BE49-F238E27FC236}">
+                <a16:creationId xmlns:a16="http://schemas.microsoft.com/office/drawing/2014/main" id="{D5377579-261F-7248-A5D4-AFFB61D75703}"/>
+              </a:ext>
+            </a:extLst>
+          </p:cNvPr>
+          <p:cNvSpPr txBox="1"/>
+          <p:nvPr/>
+        </p:nvSpPr>
+        <p:spPr>
+          <a:xfrm>
+            <a:off x="6943027" y="3401211"/>
+            <a:ext cx="2385718" cy="615553"/>
+          </a:xfrm>
+          <a:prstGeom prst="rect">
+            <a:avLst/>
+          </a:prstGeom>
+          <a:noFill/>
+        </p:spPr>
+        <p:txBody>
+          <a:bodyPr wrap="none" rtlCol="0">
+            <a:spAutoFit/>
+          </a:bodyPr>
+          <a:lstStyle/>
+          <a:p>
+            <a:r>
+              <a:rPr lang="de-DE" sz="2000" dirty="0"/>
+              <a:t>Kausalwirkung </a:t>
+            </a:r>
+          </a:p>
+          <a:p>
+            <a:r>
+              <a:rPr lang="de-DE" sz="1400" dirty="0"/>
+              <a:t>(beeinflusst durch Moderator)</a:t>
+            </a:r>
+          </a:p>
+        </p:txBody>
+      </p:sp>
+      <p:sp>
+        <p:nvSpPr>
+          <p:cNvPr id="13" name="Rechteck 12">
+            <a:extLst>
+              <a:ext uri="{FF2B5EF4-FFF2-40B4-BE49-F238E27FC236}">
+                <a16:creationId xmlns:a16="http://schemas.microsoft.com/office/drawing/2014/main" id="{0B85085B-15B5-9648-B6A7-1C0BE6578291}"/>
+              </a:ext>
+            </a:extLst>
+          </p:cNvPr>
+          <p:cNvSpPr/>
+          <p:nvPr/>
+        </p:nvSpPr>
+        <p:spPr>
+          <a:xfrm>
+            <a:off x="9512377" y="994089"/>
+            <a:ext cx="2076136" cy="855189"/>
+          </a:xfrm>
+          <a:prstGeom prst="rect">
+            <a:avLst/>
+          </a:prstGeom>
+          <a:solidFill>
+            <a:schemeClr val="accent6">
+              <a:lumMod val="40000"/>
+              <a:lumOff val="60000"/>
+            </a:schemeClr>
+          </a:solidFill>
+          <a:ln>
+            <a:solidFill>
+              <a:schemeClr val="tx1"/>
+            </a:solidFill>
+          </a:ln>
+        </p:spPr>
+        <p:style>
+          <a:lnRef idx="2">
+            <a:schemeClr val="accent1">
+              <a:shade val="50000"/>
+            </a:schemeClr>
+          </a:lnRef>
+          <a:fillRef idx="1">
+            <a:schemeClr val="accent1"/>
+          </a:fillRef>
+          <a:effectRef idx="0">
+            <a:schemeClr val="accent1"/>
+          </a:effectRef>
+          <a:fontRef idx="minor">
+            <a:schemeClr val="lt1"/>
+          </a:fontRef>
+        </p:style>
+        <p:txBody>
+          <a:bodyPr rtlCol="0" anchor="ctr"/>
+          <a:lstStyle/>
+          <a:p>
+            <a:pPr algn="ctr"/>
+            <a:r>
+              <a:rPr lang="de-DE" sz="3200" dirty="0">
+                <a:solidFill>
+                  <a:schemeClr val="tx1"/>
+                </a:solidFill>
+              </a:rPr>
+              <a:t>Moderator</a:t>
+            </a:r>
+          </a:p>
+        </p:txBody>
+      </p:sp>
+      <p:sp>
+        <p:nvSpPr>
+          <p:cNvPr id="17" name="Textfeld 16">
+            <a:extLst>
+              <a:ext uri="{FF2B5EF4-FFF2-40B4-BE49-F238E27FC236}">
+                <a16:creationId xmlns:a16="http://schemas.microsoft.com/office/drawing/2014/main" id="{E1A876E5-5671-AB40-9371-093F5518F9C0}"/>
+              </a:ext>
+            </a:extLst>
+          </p:cNvPr>
+          <p:cNvSpPr txBox="1"/>
+          <p:nvPr/>
+        </p:nvSpPr>
+        <p:spPr>
+          <a:xfrm>
+            <a:off x="10016035" y="2434032"/>
+            <a:ext cx="1068819" cy="523220"/>
+          </a:xfrm>
+          <a:prstGeom prst="rect">
+            <a:avLst/>
+          </a:prstGeom>
+          <a:noFill/>
+        </p:spPr>
+        <p:txBody>
+          <a:bodyPr wrap="none" rtlCol="0">
+            <a:spAutoFit/>
+          </a:bodyPr>
+          <a:lstStyle/>
+          <a:p>
+            <a:r>
+              <a:rPr lang="de-DE" sz="1400" dirty="0"/>
+              <a:t>Beeinflusst </a:t>
+            </a:r>
+          </a:p>
+          <a:p>
+            <a:r>
+              <a:rPr lang="de-DE" sz="1400" dirty="0"/>
+              <a:t>die Wirkung</a:t>
+            </a:r>
+          </a:p>
+        </p:txBody>
+      </p:sp>
+    </p:spTree>
+    <p:extLst>
+      <p:ext uri="{BB962C8B-B14F-4D97-AF65-F5344CB8AC3E}">
+        <p14:creationId xmlns:p14="http://schemas.microsoft.com/office/powerpoint/2010/main" val="1635627770"/>
+      </p:ext>
+    </p:extLst>
+  </p:cSld>
+  <p:clrMapOvr>
+    <a:masterClrMapping/>
+  </p:clrMapOvr>
+</p:sld>
+</file>
+
+<file path=ppt/slides/slide9.xml><?xml version="1.0" encoding="utf-8"?>
+<p:sld xmlns:a="http://schemas.openxmlformats.org/drawingml/2006/main" xmlns:r="http://schemas.openxmlformats.org/officeDocument/2006/relationships" xmlns:p="http://schemas.openxmlformats.org/presentationml/2006/main">
+  <p:cSld>
+    <p:spTree>
+      <p:nvGrpSpPr>
+        <p:cNvPr id="1" name=""/>
+        <p:cNvGrpSpPr/>
+        <p:nvPr/>
+      </p:nvGrpSpPr>
+      <p:grpSpPr>
+        <a:xfrm>
+          <a:off x="0" y="0"/>
+          <a:ext cx="0" cy="0"/>
+          <a:chOff x="0" y="0"/>
+          <a:chExt cx="0" cy="0"/>
+        </a:xfrm>
+      </p:grpSpPr>
+      <p:sp>
+        <p:nvSpPr>
+          <p:cNvPr id="16" name="Rechteck 15">
+            <a:extLst>
+              <a:ext uri="{FF2B5EF4-FFF2-40B4-BE49-F238E27FC236}">
+                <a16:creationId xmlns:a16="http://schemas.microsoft.com/office/drawing/2014/main" id="{2A6E1BCC-47D0-BB48-94FD-E37A59B4492D}"/>
+              </a:ext>
+            </a:extLst>
+          </p:cNvPr>
+          <p:cNvSpPr/>
+          <p:nvPr/>
+        </p:nvSpPr>
+        <p:spPr>
+          <a:xfrm>
+            <a:off x="0" y="0"/>
+            <a:ext cx="12192000" cy="3429000"/>
+          </a:xfrm>
+          <a:prstGeom prst="rect">
+            <a:avLst/>
+          </a:prstGeom>
+          <a:solidFill>
+            <a:schemeClr val="accent3">
+              <a:lumMod val="20000"/>
+              <a:lumOff val="80000"/>
+            </a:schemeClr>
+          </a:solidFill>
+          <a:ln>
+            <a:noFill/>
+          </a:ln>
+        </p:spPr>
+        <p:style>
+          <a:lnRef idx="2">
+            <a:schemeClr val="accent1">
+              <a:shade val="50000"/>
+            </a:schemeClr>
+          </a:lnRef>
+          <a:fillRef idx="1">
+            <a:schemeClr val="accent1"/>
+          </a:fillRef>
+          <a:effectRef idx="0">
+            <a:schemeClr val="accent1"/>
+          </a:effectRef>
+          <a:fontRef idx="minor">
+            <a:schemeClr val="lt1"/>
+          </a:fontRef>
+        </p:style>
+        <p:txBody>
+          <a:bodyPr rtlCol="0" anchor="ctr"/>
+          <a:lstStyle/>
+          <a:p>
+            <a:pPr algn="ctr"/>
+            <a:endParaRPr lang="de-DE"/>
+          </a:p>
+        </p:txBody>
+      </p:sp>
+      <p:cxnSp>
+        <p:nvCxnSpPr>
+          <p:cNvPr id="19" name="Gerade Verbindung mit Pfeil 18">
+            <a:extLst>
+              <a:ext uri="{FF2B5EF4-FFF2-40B4-BE49-F238E27FC236}">
+                <a16:creationId xmlns:a16="http://schemas.microsoft.com/office/drawing/2014/main" id="{1474EAE1-9921-D14C-947F-998DD38581D8}"/>
+              </a:ext>
+            </a:extLst>
+          </p:cNvPr>
+          <p:cNvCxnSpPr>
+            <a:cxnSpLocks/>
+          </p:cNvCxnSpPr>
+          <p:nvPr/>
+        </p:nvCxnSpPr>
+        <p:spPr>
+          <a:xfrm>
+            <a:off x="6095998" y="1502661"/>
+            <a:ext cx="0" cy="685673"/>
+          </a:xfrm>
+          <a:prstGeom prst="straightConnector1">
+            <a:avLst/>
+          </a:prstGeom>
+          <a:ln w="101600" cap="rnd">
+            <a:solidFill>
+              <a:schemeClr val="tx1"/>
+            </a:solidFill>
+            <a:tailEnd type="triangle"/>
+          </a:ln>
+        </p:spPr>
+        <p:style>
+          <a:lnRef idx="1">
+            <a:schemeClr val="accent1"/>
+          </a:lnRef>
+          <a:fillRef idx="0">
+            <a:schemeClr val="accent1"/>
+          </a:fillRef>
+          <a:effectRef idx="0">
+            <a:schemeClr val="accent1"/>
+          </a:effectRef>
+          <a:fontRef idx="minor">
+            <a:schemeClr val="tx1"/>
+          </a:fontRef>
+        </p:style>
+      </p:cxnSp>
+      <p:cxnSp>
+        <p:nvCxnSpPr>
+          <p:cNvPr id="18" name="Gerade Verbindung mit Pfeil 17">
+            <a:extLst>
+              <a:ext uri="{FF2B5EF4-FFF2-40B4-BE49-F238E27FC236}">
+                <a16:creationId xmlns:a16="http://schemas.microsoft.com/office/drawing/2014/main" id="{22C61EAB-CC41-4E4B-AB0C-9A7C7BF973F6}"/>
+              </a:ext>
+            </a:extLst>
+          </p:cNvPr>
+          <p:cNvCxnSpPr>
+            <a:cxnSpLocks/>
+          </p:cNvCxnSpPr>
+          <p:nvPr/>
+        </p:nvCxnSpPr>
+        <p:spPr>
+          <a:xfrm>
+            <a:off x="4818993" y="1502661"/>
+            <a:ext cx="0" cy="3594387"/>
+          </a:xfrm>
+          <a:prstGeom prst="straightConnector1">
+            <a:avLst/>
+          </a:prstGeom>
+          <a:ln w="101600" cap="rnd">
+            <a:solidFill>
+              <a:schemeClr val="accent2"/>
+            </a:solidFill>
+            <a:prstDash val="sysDot"/>
+            <a:tailEnd type="triangle"/>
+          </a:ln>
+        </p:spPr>
+        <p:style>
+          <a:lnRef idx="1">
+            <a:schemeClr val="accent1"/>
+          </a:lnRef>
+          <a:fillRef idx="0">
+            <a:schemeClr val="accent1"/>
+          </a:fillRef>
+          <a:effectRef idx="0">
+            <a:schemeClr val="accent1"/>
+          </a:effectRef>
+          <a:fontRef idx="minor">
+            <a:schemeClr val="tx1"/>
+          </a:fontRef>
+        </p:style>
+      </p:cxnSp>
+      <p:sp>
+        <p:nvSpPr>
+          <p:cNvPr id="4" name="Rechteck 3">
+            <a:extLst>
+              <a:ext uri="{FF2B5EF4-FFF2-40B4-BE49-F238E27FC236}">
+                <a16:creationId xmlns:a16="http://schemas.microsoft.com/office/drawing/2014/main" id="{3A3DE8DE-C1DC-E44A-9FBA-07509BC25656}"/>
+              </a:ext>
+            </a:extLst>
+          </p:cNvPr>
+          <p:cNvSpPr/>
+          <p:nvPr/>
+        </p:nvSpPr>
+        <p:spPr>
+          <a:xfrm>
+            <a:off x="294805" y="4325198"/>
+            <a:ext cx="3867463" cy="1593062"/>
+          </a:xfrm>
+          <a:prstGeom prst="rect">
+            <a:avLst/>
+          </a:prstGeom>
+        </p:spPr>
+        <p:style>
+          <a:lnRef idx="2">
+            <a:schemeClr val="accent1">
+              <a:shade val="50000"/>
+            </a:schemeClr>
+          </a:lnRef>
+          <a:fillRef idx="1">
+            <a:schemeClr val="accent1"/>
+          </a:fillRef>
+          <a:effectRef idx="0">
+            <a:schemeClr val="accent1"/>
+          </a:effectRef>
+          <a:fontRef idx="minor">
+            <a:schemeClr val="lt1"/>
+          </a:fontRef>
+        </p:style>
+        <p:txBody>
+          <a:bodyPr rtlCol="0" anchor="ctr"/>
+          <a:lstStyle/>
+          <a:p>
+            <a:pPr algn="ctr"/>
+            <a:r>
+              <a:rPr lang="de-DE" sz="3200" dirty="0"/>
+              <a:t>unabhängige Variable</a:t>
+            </a:r>
+          </a:p>
+        </p:txBody>
+      </p:sp>
+      <p:sp>
+        <p:nvSpPr>
+          <p:cNvPr id="5" name="Rechteck 4">
+            <a:extLst>
+              <a:ext uri="{FF2B5EF4-FFF2-40B4-BE49-F238E27FC236}">
+                <a16:creationId xmlns:a16="http://schemas.microsoft.com/office/drawing/2014/main" id="{CC3162DF-6A27-0948-8F9E-CF74E1559221}"/>
+              </a:ext>
+            </a:extLst>
+          </p:cNvPr>
+          <p:cNvSpPr/>
+          <p:nvPr/>
+        </p:nvSpPr>
+        <p:spPr>
+          <a:xfrm>
+            <a:off x="8029732" y="4325198"/>
+            <a:ext cx="3867463" cy="1593062"/>
+          </a:xfrm>
+          <a:prstGeom prst="rect">
+            <a:avLst/>
+          </a:prstGeom>
+        </p:spPr>
+        <p:style>
+          <a:lnRef idx="2">
+            <a:schemeClr val="accent1">
+              <a:shade val="50000"/>
+            </a:schemeClr>
+          </a:lnRef>
+          <a:fillRef idx="1">
+            <a:schemeClr val="accent1"/>
+          </a:fillRef>
+          <a:effectRef idx="0">
+            <a:schemeClr val="accent1"/>
+          </a:effectRef>
+          <a:fontRef idx="minor">
+            <a:schemeClr val="lt1"/>
+          </a:fontRef>
+        </p:style>
+        <p:txBody>
+          <a:bodyPr rtlCol="0" anchor="ctr"/>
+          <a:lstStyle/>
+          <a:p>
+            <a:pPr algn="ctr"/>
+            <a:r>
+              <a:rPr lang="de-DE" sz="3200" dirty="0"/>
+              <a:t>abhängige Variable</a:t>
+            </a:r>
+          </a:p>
+        </p:txBody>
+      </p:sp>
+      <p:cxnSp>
+        <p:nvCxnSpPr>
+          <p:cNvPr id="15" name="Gerade Verbindung mit Pfeil 14">
+            <a:extLst>
+              <a:ext uri="{FF2B5EF4-FFF2-40B4-BE49-F238E27FC236}">
+                <a16:creationId xmlns:a16="http://schemas.microsoft.com/office/drawing/2014/main" id="{81DE97D8-EC69-474E-B991-B0695DF7B36D}"/>
+              </a:ext>
+            </a:extLst>
+          </p:cNvPr>
+          <p:cNvCxnSpPr>
+            <a:cxnSpLocks/>
+          </p:cNvCxnSpPr>
+          <p:nvPr/>
+        </p:nvCxnSpPr>
+        <p:spPr>
+          <a:xfrm>
+            <a:off x="6096000" y="3058510"/>
+            <a:ext cx="0" cy="2063219"/>
+          </a:xfrm>
+          <a:prstGeom prst="straightConnector1">
+            <a:avLst/>
+          </a:prstGeom>
+          <a:ln w="101600" cap="rnd">
+            <a:solidFill>
+              <a:schemeClr val="accent2"/>
+            </a:solidFill>
+            <a:tailEnd type="triangle"/>
+          </a:ln>
+        </p:spPr>
+        <p:style>
+          <a:lnRef idx="1">
+            <a:schemeClr val="accent1"/>
+          </a:lnRef>
+          <a:fillRef idx="0">
+            <a:schemeClr val="accent1"/>
+          </a:fillRef>
+          <a:effectRef idx="0">
+            <a:schemeClr val="accent1"/>
+          </a:effectRef>
+          <a:fontRef idx="minor">
+            <a:schemeClr val="tx1"/>
+          </a:fontRef>
+        </p:style>
+      </p:cxnSp>
+      <p:sp>
+        <p:nvSpPr>
+          <p:cNvPr id="6" name="Rechteck 5">
+            <a:extLst>
+              <a:ext uri="{FF2B5EF4-FFF2-40B4-BE49-F238E27FC236}">
+                <a16:creationId xmlns:a16="http://schemas.microsoft.com/office/drawing/2014/main" id="{0E3A7986-A5A8-374E-B17A-A892EB8217EB}"/>
+              </a:ext>
+            </a:extLst>
+          </p:cNvPr>
+          <p:cNvSpPr/>
+          <p:nvPr/>
+        </p:nvSpPr>
+        <p:spPr>
+          <a:xfrm>
+            <a:off x="3564538" y="552796"/>
+            <a:ext cx="3867463" cy="949865"/>
+          </a:xfrm>
+          <a:prstGeom prst="rect">
+            <a:avLst/>
+          </a:prstGeom>
+          <a:solidFill>
+            <a:schemeClr val="accent6">
+              <a:lumMod val="40000"/>
+              <a:lumOff val="60000"/>
+            </a:schemeClr>
+          </a:solidFill>
+          <a:ln>
+            <a:solidFill>
+              <a:schemeClr val="tx1"/>
+            </a:solidFill>
+          </a:ln>
+        </p:spPr>
+        <p:style>
+          <a:lnRef idx="2">
+            <a:schemeClr val="accent1">
+              <a:shade val="50000"/>
+            </a:schemeClr>
+          </a:lnRef>
+          <a:fillRef idx="1">
+            <a:schemeClr val="accent1"/>
+          </a:fillRef>
+          <a:effectRef idx="0">
+            <a:schemeClr val="accent1"/>
+          </a:effectRef>
+          <a:fontRef idx="minor">
+            <a:schemeClr val="lt1"/>
+          </a:fontRef>
+        </p:style>
+        <p:txBody>
+          <a:bodyPr rtlCol="0" anchor="ctr"/>
+          <a:lstStyle/>
+          <a:p>
+            <a:pPr algn="ctr"/>
+            <a:r>
+              <a:rPr lang="de-DE" sz="3200" dirty="0">
+                <a:solidFill>
+                  <a:schemeClr val="tx1"/>
+                </a:solidFill>
+              </a:rPr>
+              <a:t>Moderator</a:t>
+            </a:r>
+          </a:p>
+        </p:txBody>
+      </p:sp>
+      <p:cxnSp>
+        <p:nvCxnSpPr>
+          <p:cNvPr id="32" name="Gerade Verbindung mit Pfeil 31">
+            <a:extLst>
+              <a:ext uri="{FF2B5EF4-FFF2-40B4-BE49-F238E27FC236}">
+                <a16:creationId xmlns:a16="http://schemas.microsoft.com/office/drawing/2014/main" id="{172142C5-5BC2-4B4B-839D-1F6EE113B0F7}"/>
+              </a:ext>
+            </a:extLst>
+          </p:cNvPr>
+          <p:cNvCxnSpPr>
+            <a:cxnSpLocks/>
+            <a:stCxn id="4" idx="3"/>
+            <a:endCxn id="5" idx="1"/>
+          </p:cNvCxnSpPr>
+          <p:nvPr/>
+        </p:nvCxnSpPr>
+        <p:spPr>
+          <a:xfrm>
+            <a:off x="4162268" y="5121729"/>
+            <a:ext cx="3867464" cy="0"/>
+          </a:xfrm>
+          <a:prstGeom prst="straightConnector1">
+            <a:avLst/>
+          </a:prstGeom>
+          <a:ln w="101600">
+            <a:solidFill>
+              <a:schemeClr val="tx1"/>
+            </a:solidFill>
+            <a:prstDash val="solid"/>
+            <a:tailEnd type="triangle"/>
+          </a:ln>
+        </p:spPr>
+        <p:style>
+          <a:lnRef idx="1">
+            <a:schemeClr val="accent1"/>
+          </a:lnRef>
+          <a:fillRef idx="0">
+            <a:schemeClr val="accent1"/>
+          </a:fillRef>
+          <a:effectRef idx="0">
+            <a:schemeClr val="accent1"/>
+          </a:effectRef>
+          <a:fontRef idx="minor">
+            <a:schemeClr val="tx1"/>
+          </a:fontRef>
+        </p:style>
+      </p:cxnSp>
+      <p:sp>
+        <p:nvSpPr>
+          <p:cNvPr id="36" name="Textfeld 35">
+            <a:extLst>
+              <a:ext uri="{FF2B5EF4-FFF2-40B4-BE49-F238E27FC236}">
+                <a16:creationId xmlns:a16="http://schemas.microsoft.com/office/drawing/2014/main" id="{AF6C2230-DEC3-CD4F-B4FA-3F257BF73D4E}"/>
+              </a:ext>
+            </a:extLst>
+          </p:cNvPr>
+          <p:cNvSpPr txBox="1"/>
+          <p:nvPr/>
+        </p:nvSpPr>
+        <p:spPr>
+          <a:xfrm>
+            <a:off x="4538499" y="5259209"/>
+            <a:ext cx="3115020" cy="830997"/>
+          </a:xfrm>
+          <a:prstGeom prst="rect">
+            <a:avLst/>
+          </a:prstGeom>
+          <a:noFill/>
+        </p:spPr>
+        <p:txBody>
+          <a:bodyPr wrap="none" rtlCol="0">
+            <a:spAutoFit/>
+          </a:bodyPr>
+          <a:lstStyle/>
+          <a:p>
+            <a:pPr algn="ctr"/>
+            <a:r>
+              <a:rPr lang="de-DE" sz="2000" dirty="0"/>
+              <a:t>Kausalwirkung</a:t>
+            </a:r>
+          </a:p>
+          <a:p>
+            <a:pPr algn="ctr"/>
+            <a:r>
+              <a:rPr lang="de-DE" sz="1400" dirty="0"/>
+              <a:t>(beeinflusst durch Moderator</a:t>
+            </a:r>
+          </a:p>
+          <a:p>
+            <a:pPr algn="ctr"/>
+            <a:r>
+              <a:rPr lang="de-DE" sz="1400" dirty="0"/>
+              <a:t>über direkten und/oder indirekten Pfad)</a:t>
+            </a:r>
+          </a:p>
+        </p:txBody>
+      </p:sp>
+      <p:sp>
+        <p:nvSpPr>
+          <p:cNvPr id="17" name="Textfeld 16">
+            <a:extLst>
+              <a:ext uri="{FF2B5EF4-FFF2-40B4-BE49-F238E27FC236}">
+                <a16:creationId xmlns:a16="http://schemas.microsoft.com/office/drawing/2014/main" id="{8C6F7B61-8D01-0C40-B9DB-7CF1A4D59114}"/>
+              </a:ext>
+            </a:extLst>
+          </p:cNvPr>
+          <p:cNvSpPr txBox="1"/>
+          <p:nvPr/>
+        </p:nvSpPr>
+        <p:spPr>
+          <a:xfrm>
+            <a:off x="267177" y="293409"/>
+            <a:ext cx="2946512" cy="461665"/>
+          </a:xfrm>
+          <a:prstGeom prst="rect">
+            <a:avLst/>
+          </a:prstGeom>
+          <a:noFill/>
+        </p:spPr>
+        <p:txBody>
+          <a:bodyPr wrap="none" rtlCol="0">
+            <a:spAutoFit/>
+          </a:bodyPr>
+          <a:lstStyle/>
+          <a:p>
+            <a:r>
+              <a:rPr lang="de-DE" sz="2400" i="1" dirty="0" err="1"/>
+              <a:t>Mediierte</a:t>
+            </a:r>
+            <a:r>
+              <a:rPr lang="de-DE" sz="2400" i="1" dirty="0"/>
+              <a:t> Moderation</a:t>
+            </a:r>
+          </a:p>
+        </p:txBody>
+      </p:sp>
+      <p:sp>
+        <p:nvSpPr>
+          <p:cNvPr id="12" name="Rechteck 11">
+            <a:extLst>
+              <a:ext uri="{FF2B5EF4-FFF2-40B4-BE49-F238E27FC236}">
+                <a16:creationId xmlns:a16="http://schemas.microsoft.com/office/drawing/2014/main" id="{DE402223-D1DB-E849-8AA9-118C4D383B6D}"/>
+              </a:ext>
+            </a:extLst>
+          </p:cNvPr>
+          <p:cNvSpPr/>
+          <p:nvPr/>
+        </p:nvSpPr>
+        <p:spPr>
+          <a:xfrm>
+            <a:off x="5949025" y="2188334"/>
+            <a:ext cx="3867463" cy="949865"/>
+          </a:xfrm>
+          <a:prstGeom prst="rect">
+            <a:avLst/>
+          </a:prstGeom>
+          <a:solidFill>
+            <a:schemeClr val="accent2">
+              <a:lumMod val="40000"/>
+              <a:lumOff val="60000"/>
+            </a:schemeClr>
+          </a:solidFill>
+          <a:ln>
+            <a:solidFill>
+              <a:schemeClr val="tx1"/>
+            </a:solidFill>
+          </a:ln>
+        </p:spPr>
+        <p:style>
+          <a:lnRef idx="2">
+            <a:schemeClr val="accent1">
+              <a:shade val="50000"/>
+            </a:schemeClr>
+          </a:lnRef>
+          <a:fillRef idx="1">
+            <a:schemeClr val="accent1"/>
+          </a:fillRef>
+          <a:effectRef idx="0">
+            <a:schemeClr val="accent1"/>
+          </a:effectRef>
+          <a:fontRef idx="minor">
+            <a:schemeClr val="lt1"/>
+          </a:fontRef>
+        </p:style>
+        <p:txBody>
+          <a:bodyPr rtlCol="0" anchor="ctr"/>
+          <a:lstStyle/>
+          <a:p>
+            <a:pPr algn="ctr"/>
+            <a:r>
+              <a:rPr lang="de-DE" sz="3200" dirty="0">
+                <a:solidFill>
+                  <a:schemeClr val="tx1"/>
+                </a:solidFill>
+              </a:rPr>
+              <a:t>Mediator</a:t>
+            </a:r>
+          </a:p>
+        </p:txBody>
+      </p:sp>
+      <p:sp>
+        <p:nvSpPr>
+          <p:cNvPr id="20" name="Textfeld 19">
+            <a:extLst>
+              <a:ext uri="{FF2B5EF4-FFF2-40B4-BE49-F238E27FC236}">
+                <a16:creationId xmlns:a16="http://schemas.microsoft.com/office/drawing/2014/main" id="{5EBBABD0-B0CA-0348-B514-F1D0E4A0C7A0}"/>
+              </a:ext>
+            </a:extLst>
+          </p:cNvPr>
+          <p:cNvSpPr txBox="1"/>
+          <p:nvPr/>
+        </p:nvSpPr>
+        <p:spPr>
+          <a:xfrm>
+            <a:off x="6248354" y="1659852"/>
+            <a:ext cx="1385699" cy="338554"/>
+          </a:xfrm>
+          <a:prstGeom prst="rect">
+            <a:avLst/>
+          </a:prstGeom>
+          <a:noFill/>
+        </p:spPr>
+        <p:txBody>
+          <a:bodyPr wrap="none" rtlCol="0">
+            <a:spAutoFit/>
+          </a:bodyPr>
+          <a:lstStyle/>
+          <a:p>
+            <a:pPr algn="ctr"/>
+            <a:r>
+              <a:rPr lang="de-DE" sz="1600" dirty="0"/>
+              <a:t>Kausalwirkung</a:t>
+            </a:r>
+          </a:p>
+        </p:txBody>
+      </p:sp>
+      <p:sp>
+        <p:nvSpPr>
+          <p:cNvPr id="21" name="Textfeld 20">
+            <a:extLst>
+              <a:ext uri="{FF2B5EF4-FFF2-40B4-BE49-F238E27FC236}">
+                <a16:creationId xmlns:a16="http://schemas.microsoft.com/office/drawing/2014/main" id="{A0196A29-2ED2-ED49-B26F-BCAED7664368}"/>
+              </a:ext>
+            </a:extLst>
+          </p:cNvPr>
+          <p:cNvSpPr txBox="1"/>
+          <p:nvPr/>
+        </p:nvSpPr>
+        <p:spPr>
+          <a:xfrm>
+            <a:off x="6340671" y="3488711"/>
+            <a:ext cx="1190326" cy="584775"/>
+          </a:xfrm>
+          <a:prstGeom prst="rect">
+            <a:avLst/>
+          </a:prstGeom>
+          <a:noFill/>
+        </p:spPr>
+        <p:txBody>
+          <a:bodyPr wrap="none" rtlCol="0">
+            <a:spAutoFit/>
+          </a:bodyPr>
+          <a:lstStyle/>
+          <a:p>
+            <a:pPr algn="ctr"/>
+            <a:r>
+              <a:rPr lang="de-DE" sz="1600" dirty="0"/>
+              <a:t>Beeinflusst </a:t>
+            </a:r>
+          </a:p>
+          <a:p>
+            <a:pPr algn="ctr"/>
+            <a:r>
+              <a:rPr lang="de-DE" sz="1600" dirty="0"/>
+              <a:t>die Wirkung</a:t>
+            </a:r>
+          </a:p>
+        </p:txBody>
+      </p:sp>
+      <p:sp>
+        <p:nvSpPr>
+          <p:cNvPr id="22" name="Textfeld 21">
+            <a:extLst>
+              <a:ext uri="{FF2B5EF4-FFF2-40B4-BE49-F238E27FC236}">
+                <a16:creationId xmlns:a16="http://schemas.microsoft.com/office/drawing/2014/main" id="{CB48436A-2ED3-4C4E-B613-F3DB2DBD9803}"/>
+              </a:ext>
+            </a:extLst>
+          </p:cNvPr>
+          <p:cNvSpPr txBox="1"/>
+          <p:nvPr/>
+        </p:nvSpPr>
+        <p:spPr>
+          <a:xfrm>
+            <a:off x="3420131" y="2715079"/>
+            <a:ext cx="1190326" cy="584775"/>
+          </a:xfrm>
+          <a:prstGeom prst="rect">
+            <a:avLst/>
+          </a:prstGeom>
+          <a:noFill/>
+        </p:spPr>
+        <p:txBody>
+          <a:bodyPr wrap="none" rtlCol="0">
+            <a:spAutoFit/>
+          </a:bodyPr>
+          <a:lstStyle/>
+          <a:p>
+            <a:pPr algn="ctr"/>
+            <a:r>
+              <a:rPr lang="de-DE" sz="1600" dirty="0"/>
+              <a:t>Beeinflusst </a:t>
+            </a:r>
+          </a:p>
+          <a:p>
+            <a:pPr algn="ctr"/>
+            <a:r>
+              <a:rPr lang="de-DE" sz="1600" dirty="0"/>
+              <a:t>die Wirkung</a:t>
+            </a:r>
+          </a:p>
+        </p:txBody>
+      </p:sp>
+    </p:spTree>
+    <p:extLst>
+      <p:ext uri="{BB962C8B-B14F-4D97-AF65-F5344CB8AC3E}">
+        <p14:creationId xmlns:p14="http://schemas.microsoft.com/office/powerpoint/2010/main" val="1112179995"/>
       </p:ext>
     </p:extLst>
   </p:cSld>
